--- a/4.2 Fourth Year Second Semester/ICT - 4261 Machine Learning/Lectures/Lecture _09_10.pptx
+++ b/4.2 Fourth Year Second Semester/ICT - 4261 Machine Learning/Lectures/Lecture _09_10.pptx
@@ -13,10 +13,10 @@
   <p:sldIdLst>
     <p:sldId id="426" r:id="rId3"/>
     <p:sldId id="535" r:id="rId4"/>
-    <p:sldId id="538" r:id="rId5"/>
-    <p:sldId id="654" r:id="rId6"/>
-    <p:sldId id="575" r:id="rId7"/>
-    <p:sldId id="669" r:id="rId8"/>
+    <p:sldId id="654" r:id="rId5"/>
+    <p:sldId id="575" r:id="rId6"/>
+    <p:sldId id="669" r:id="rId7"/>
+    <p:sldId id="674" r:id="rId8"/>
     <p:sldId id="601" r:id="rId9"/>
     <p:sldId id="649" r:id="rId10"/>
     <p:sldId id="650" r:id="rId11"/>
@@ -248,7 +248,7 @@
             <a:fld id="{52B78F2A-59AF-4063-8247-742340A61E80}" type="datetimeFigureOut">
               <a:rPr lang="en-US" smtClean="0"/>
               <a:pPr/>
-              <a:t>2/15/2024</a:t>
+              <a:t>3/19/2024</a:t>
             </a:fld>
             <a:endParaRPr lang="en-US"/>
           </a:p>
@@ -415,7 +415,7 @@
             <a:fld id="{592A0791-6B8A-4268-B9A9-5477EC471AC4}" type="datetimeFigureOut">
               <a:rPr lang="en-US" smtClean="0"/>
               <a:pPr/>
-              <a:t>2/15/2024</a:t>
+              <a:t>3/19/2024</a:t>
             </a:fld>
             <a:endParaRPr lang="en-US"/>
           </a:p>
@@ -728,7 +728,7 @@
           <a:lstStyle/>
           <a:p>
             <a:r>
-              <a:rPr lang="en-US" sz="1200" b="0" i="0" kern="1200" dirty="0" smtClean="0">
+              <a:rPr lang="en-US" sz="1200" b="0" i="0" kern="1200" dirty="0">
                 <a:solidFill>
                   <a:schemeClr val="tx1"/>
                 </a:solidFill>
@@ -740,7 +740,7 @@
               <a:t>Bayes theorem is also known with some other name such as </a:t>
             </a:r>
             <a:r>
-              <a:rPr lang="en-US" sz="1200" b="1" i="0" kern="1200" dirty="0" smtClean="0">
+              <a:rPr lang="en-US" sz="1200" b="1" i="0" kern="1200" dirty="0">
                 <a:solidFill>
                   <a:schemeClr val="tx1"/>
                 </a:solidFill>
@@ -752,7 +752,7 @@
               <a:t>Bayes rule or Bayes Law. </a:t>
             </a:r>
             <a:r>
-              <a:rPr lang="en-US" sz="1200" b="1" i="1" kern="1200" dirty="0" smtClean="0">
+              <a:rPr lang="en-US" sz="1200" b="1" i="1" kern="1200" dirty="0">
                 <a:solidFill>
                   <a:schemeClr val="tx1"/>
                 </a:solidFill>
@@ -764,7 +764,7 @@
               <a:t>Bayes theorem helps to determine the probability of an event with random knowledge</a:t>
             </a:r>
             <a:r>
-              <a:rPr lang="en-US" sz="1200" b="0" i="0" kern="1200" dirty="0" smtClean="0">
+              <a:rPr lang="en-US" sz="1200" b="0" i="0" kern="1200" dirty="0">
                 <a:solidFill>
                   <a:schemeClr val="tx1"/>
                 </a:solidFill>
@@ -797,7 +797,7 @@
             <a:fld id="{AB5B076A-BCD3-43DB-B626-89538CF1BE16}" type="slidenum">
               <a:rPr lang="en-US" smtClean="0"/>
               <a:pPr/>
-              <a:t>5</a:t>
+              <a:t>4</a:t>
             </a:fld>
             <a:endParaRPr lang="en-US"/>
           </a:p>
@@ -1267,7 +1267,7 @@
             <a:fld id="{703EE55C-EFC8-49AB-BB12-5AC9DE5C1596}" type="datetimeFigureOut">
               <a:rPr lang="en-US" smtClean="0"/>
               <a:pPr/>
-              <a:t>2/15/2024</a:t>
+              <a:t>3/19/2024</a:t>
             </a:fld>
             <a:endParaRPr lang="en-US"/>
           </a:p>
@@ -1450,7 +1450,7 @@
             <a:fld id="{703EE55C-EFC8-49AB-BB12-5AC9DE5C1596}" type="datetimeFigureOut">
               <a:rPr lang="en-US" smtClean="0"/>
               <a:pPr/>
-              <a:t>2/15/2024</a:t>
+              <a:t>3/19/2024</a:t>
             </a:fld>
             <a:endParaRPr lang="en-US"/>
           </a:p>
@@ -1747,7 +1747,7 @@
             <a:fld id="{703EE55C-EFC8-49AB-BB12-5AC9DE5C1596}" type="datetimeFigureOut">
               <a:rPr lang="en-US" smtClean="0"/>
               <a:pPr/>
-              <a:t>2/15/2024</a:t>
+              <a:t>3/19/2024</a:t>
             </a:fld>
             <a:endParaRPr lang="en-US"/>
           </a:p>
@@ -1806,13 +1806,6 @@
   <p:clrMapOvr>
     <a:masterClrMapping/>
   </p:clrMapOvr>
-  <p:timing>
-    <p:tnLst>
-      <p:par>
-        <p:cTn id="1" dur="indefinite" restart="never" nodeType="tmRoot"/>
-      </p:par>
-    </p:tnLst>
-  </p:timing>
 </p:sldLayout>
 </file>
 
@@ -2004,7 +1997,7 @@
             <a:fld id="{703EE55C-EFC8-49AB-BB12-5AC9DE5C1596}" type="datetimeFigureOut">
               <a:rPr lang="en-US" smtClean="0"/>
               <a:pPr/>
-              <a:t>2/15/2024</a:t>
+              <a:t>3/19/2024</a:t>
             </a:fld>
             <a:endParaRPr lang="en-US"/>
           </a:p>
@@ -2299,7 +2292,7 @@
             <a:fld id="{703EE55C-EFC8-49AB-BB12-5AC9DE5C1596}" type="datetimeFigureOut">
               <a:rPr lang="en-US" smtClean="0"/>
               <a:pPr/>
-              <a:t>2/15/2024</a:t>
+              <a:t>3/19/2024</a:t>
             </a:fld>
             <a:endParaRPr lang="en-US"/>
           </a:p>
@@ -2728,7 +2721,7 @@
             <a:fld id="{703EE55C-EFC8-49AB-BB12-5AC9DE5C1596}" type="datetimeFigureOut">
               <a:rPr lang="en-US" smtClean="0"/>
               <a:pPr/>
-              <a:t>2/15/2024</a:t>
+              <a:t>3/19/2024</a:t>
             </a:fld>
             <a:endParaRPr lang="en-US"/>
           </a:p>
@@ -2855,7 +2848,7 @@
             <a:fld id="{703EE55C-EFC8-49AB-BB12-5AC9DE5C1596}" type="datetimeFigureOut">
               <a:rPr lang="en-US" smtClean="0"/>
               <a:pPr/>
-              <a:t>2/15/2024</a:t>
+              <a:t>3/19/2024</a:t>
             </a:fld>
             <a:endParaRPr lang="en-US"/>
           </a:p>
@@ -2952,7 +2945,7 @@
             <a:fld id="{703EE55C-EFC8-49AB-BB12-5AC9DE5C1596}" type="datetimeFigureOut">
               <a:rPr lang="en-US" smtClean="0"/>
               <a:pPr/>
-              <a:t>2/15/2024</a:t>
+              <a:t>3/19/2024</a:t>
             </a:fld>
             <a:endParaRPr lang="en-US"/>
           </a:p>
@@ -3232,7 +3225,7 @@
             <a:fld id="{703EE55C-EFC8-49AB-BB12-5AC9DE5C1596}" type="datetimeFigureOut">
               <a:rPr lang="en-US" smtClean="0"/>
               <a:pPr/>
-              <a:t>2/15/2024</a:t>
+              <a:t>3/19/2024</a:t>
             </a:fld>
             <a:endParaRPr lang="en-US"/>
           </a:p>
@@ -3489,7 +3482,7 @@
             <a:fld id="{703EE55C-EFC8-49AB-BB12-5AC9DE5C1596}" type="datetimeFigureOut">
               <a:rPr lang="en-US" smtClean="0"/>
               <a:pPr/>
-              <a:t>2/15/2024</a:t>
+              <a:t>3/19/2024</a:t>
             </a:fld>
             <a:endParaRPr lang="en-US"/>
           </a:p>
@@ -3670,7 +3663,7 @@
             <a:fld id="{703EE55C-EFC8-49AB-BB12-5AC9DE5C1596}" type="datetimeFigureOut">
               <a:rPr lang="en-US" smtClean="0"/>
               <a:pPr/>
-              <a:t>2/15/2024</a:t>
+              <a:t>3/19/2024</a:t>
             </a:fld>
             <a:endParaRPr lang="en-US"/>
           </a:p>
@@ -4252,13 +4245,6 @@
   <p:clrMapOvr>
     <a:masterClrMapping/>
   </p:clrMapOvr>
-  <p:timing>
-    <p:tnLst>
-      <p:par>
-        <p:cTn id="1" dur="indefinite" restart="never" nodeType="tmRoot"/>
-      </p:par>
-    </p:tnLst>
-  </p:timing>
 </p:sld>
 </file>
 
@@ -4296,15 +4282,7 @@
           <a:p>
             <a:r>
               <a:rPr lang="en-US" b="1" dirty="0"/>
-              <a:t>Solution with Bayes’ </a:t>
-            </a:r>
-            <a:r>
-              <a:rPr lang="en-US" b="1" dirty="0" smtClean="0"/>
-              <a:t>Equation</a:t>
-            </a:r>
-            <a:r>
-              <a:rPr lang="en-US" dirty="0"/>
-              <a:t/>
+              <a:t>Solution with Bayes’ Equation</a:t>
             </a:r>
             <a:br>
               <a:rPr lang="en-US" dirty="0"/>
@@ -4334,41 +4312,29 @@
           <a:lstStyle/>
           <a:p>
             <a:r>
-              <a:rPr lang="en-US" dirty="0" smtClean="0"/>
-              <a:t>A </a:t>
-            </a:r>
-            <a:r>
               <a:rPr lang="en-US" dirty="0"/>
-              <a:t>= Spam</a:t>
+              <a:t>A = Spam</a:t>
             </a:r>
           </a:p>
           <a:p>
             <a:r>
               <a:rPr lang="en-US" dirty="0"/>
-              <a:t>B = Contains the word ‘offer</a:t>
-            </a:r>
-            <a:r>
-              <a:rPr lang="en-US" dirty="0" smtClean="0"/>
-              <a:t>’</a:t>
+              <a:t>B = Contains the word ‘offer’</a:t>
             </a:r>
           </a:p>
           <a:p>
             <a:endParaRPr lang="en-US" dirty="0"/>
           </a:p>
           <a:p>
-            <a:endParaRPr lang="en-US" dirty="0" smtClean="0"/>
-          </a:p>
-          <a:p>
             <a:endParaRPr lang="en-US" dirty="0"/>
           </a:p>
           <a:p>
-            <a:r>
-              <a:rPr lang="en-US" dirty="0" smtClean="0"/>
-              <a:t>P</a:t>
-            </a:r>
+            <a:endParaRPr lang="en-US" dirty="0"/>
+          </a:p>
+          <a:p>
             <a:r>
               <a:rPr lang="en-US" dirty="0"/>
-              <a:t>( contains </a:t>
+              <a:t>P( contains </a:t>
             </a:r>
             <a:r>
               <a:rPr lang="en-US" dirty="0" err="1"/>
@@ -4430,7 +4396,7 @@
         </p:blipFill>
         <p:spPr>
           <a:xfrm>
-            <a:off x="4648200" y="2514600"/>
+            <a:off x="4648200" y="2209800"/>
             <a:ext cx="5215463" cy="916497"/>
           </a:xfrm>
           <a:prstGeom prst="rect">
@@ -4466,7 +4432,7 @@
         </p:blipFill>
         <p:spPr>
           <a:xfrm>
-            <a:off x="5257800" y="5673066"/>
+            <a:off x="5257800" y="5181600"/>
             <a:ext cx="4258301" cy="895057"/>
           </a:xfrm>
           <a:prstGeom prst="rect">
@@ -4484,13 +4450,6 @@
   <p:clrMapOvr>
     <a:masterClrMapping/>
   </p:clrMapOvr>
-  <p:timing>
-    <p:tnLst>
-      <p:par>
-        <p:cTn id="1" dur="indefinite" restart="never" nodeType="tmRoot"/>
-      </p:par>
-    </p:tnLst>
-  </p:timing>
 </p:sld>
 </file>
 
@@ -4528,11 +4487,7 @@
           <a:p>
             <a:r>
               <a:rPr lang="en-US" b="1" dirty="0"/>
-              <a:t>Problem </a:t>
-            </a:r>
-            <a:r>
-              <a:rPr lang="en-US" b="1" dirty="0" smtClean="0"/>
-              <a:t>3</a:t>
+              <a:t>Problem 3</a:t>
             </a:r>
             <a:endParaRPr lang="en-US" dirty="0"/>
           </a:p>
@@ -4554,12 +4509,8 @@
           <a:lstStyle/>
           <a:p>
             <a:r>
-              <a:rPr lang="en-US" dirty="0" smtClean="0"/>
-              <a:t>As </a:t>
-            </a:r>
-            <a:r>
               <a:rPr lang="en-US" dirty="0"/>
-              <a:t>you know, Covid-19 tests are common nowadays, but some results of tests are not true. Let’s assume; a diagnostic test has 99% accuracy and 60% of all people have Covid-19. If a patient tests positive, what is the probability that they actually have the disease?</a:t>
+              <a:t>As you know, Covid-19 tests are common nowadays, but some results of tests are not true. Let’s assume; a diagnostic test has 99% accuracy and 60% of all people have Covid-19. If a patient tests positive, what is the probability that they actually have the disease?</a:t>
             </a:r>
           </a:p>
         </p:txBody>
@@ -4598,13 +4549,6 @@
   <p:clrMapOvr>
     <a:masterClrMapping/>
   </p:clrMapOvr>
-  <p:timing>
-    <p:tnLst>
-      <p:par>
-        <p:cTn id="1" dur="indefinite" restart="never" nodeType="tmRoot"/>
-      </p:par>
-    </p:tnLst>
-  </p:timing>
 </p:sld>
 </file>
 
@@ -4642,11 +4586,7 @@
           <a:p>
             <a:r>
               <a:rPr lang="en-US" b="1"/>
-              <a:t>Solution with Bayes’ </a:t>
-            </a:r>
-            <a:r>
-              <a:rPr lang="en-US" b="1" smtClean="0"/>
-              <a:t>Equation</a:t>
+              <a:t>Solution with Bayes’ Equation</a:t>
             </a:r>
             <a:endParaRPr lang="en-US" dirty="0"/>
           </a:p>
@@ -4681,18 +4621,14 @@
           <a:p>
             <a:r>
               <a:rPr lang="en-US" b="1" dirty="0"/>
-              <a:t>With Bayes</a:t>
-            </a:r>
-            <a:r>
-              <a:rPr lang="en-US" b="1" dirty="0" smtClean="0"/>
-              <a:t>’;</a:t>
+              <a:t>With Bayes’;</a:t>
             </a:r>
           </a:p>
           <a:p>
             <a:endParaRPr lang="en-US" b="1" dirty="0"/>
           </a:p>
           <a:p>
-            <a:endParaRPr lang="en-US" b="1" dirty="0" smtClean="0"/>
+            <a:endParaRPr lang="en-US" b="1" dirty="0"/>
           </a:p>
           <a:p>
             <a:endParaRPr lang="en-US" b="1" dirty="0"/>
@@ -4716,10 +4652,6 @@
             </a:r>
           </a:p>
           <a:p>
-            <a:r>
-              <a:rPr lang="en-US" dirty="0"/>
-              <a:t/>
-            </a:r>
             <a:br>
               <a:rPr lang="en-US" dirty="0"/>
             </a:br>
@@ -4791,7 +4723,7 @@
         </p:blipFill>
         <p:spPr>
           <a:xfrm>
-            <a:off x="4191000" y="5285231"/>
+            <a:off x="4267200" y="4907452"/>
             <a:ext cx="4229690" cy="1200318"/>
           </a:xfrm>
           <a:prstGeom prst="rect">
@@ -4809,13 +4741,6 @@
   <p:clrMapOvr>
     <a:masterClrMapping/>
   </p:clrMapOvr>
-  <p:timing>
-    <p:tnLst>
-      <p:par>
-        <p:cTn id="1" dur="indefinite" restart="never" nodeType="tmRoot"/>
-      </p:par>
-    </p:tnLst>
-  </p:timing>
 </p:sld>
 </file>
 
@@ -4875,46 +4800,22 @@
           <a:p>
             <a:r>
               <a:rPr lang="en-US" dirty="0"/>
-              <a:t>Naive Bayes methods are a set of supervised learning algorithms based on applying Bayes’ theorem with the “naive” assumption of conditional independence between every pair of features given the value of the class variable. Bayes’ theorem states the following relationship, given class variable </a:t>
-            </a:r>
-            <a:r>
-              <a:rPr lang="en-US" dirty="0" smtClean="0"/>
-              <a:t>y</a:t>
+              <a:t>Naive Bayes methods are a set of supervised learning algorithms based on applying Bayes’ theorem with the “naive” assumption of conditional independence between every pair of features given the value of the class variable. Bayes’ theorem states the following relationship, given class variable y and  feature vector x</a:t>
+            </a:r>
+            <a:r>
+              <a:rPr lang="en-US" baseline="-25000" dirty="0"/>
+              <a:t>1</a:t>
             </a:r>
             <a:r>
               <a:rPr lang="en-US" dirty="0"/>
-              <a:t> and </a:t>
-            </a:r>
-            <a:r>
-              <a:rPr lang="en-US" dirty="0" smtClean="0"/>
-              <a:t> </a:t>
-            </a:r>
-            <a:r>
-              <a:rPr lang="en-US" dirty="0"/>
-              <a:t>feature </a:t>
-            </a:r>
-            <a:r>
-              <a:rPr lang="en-US" dirty="0" smtClean="0"/>
-              <a:t>vector x</a:t>
-            </a:r>
-            <a:r>
-              <a:rPr lang="en-US" baseline="-25000" dirty="0" smtClean="0"/>
-              <a:t>1</a:t>
-            </a:r>
-            <a:r>
-              <a:rPr lang="en-US" dirty="0" smtClean="0"/>
-              <a:t> through</a:t>
-            </a:r>
-            <a:r>
-              <a:rPr lang="en-US" dirty="0"/>
-              <a:t> </a:t>
-            </a:r>
-            <a:r>
-              <a:rPr lang="en-US" dirty="0" err="1" smtClean="0"/>
+              <a:t> through </a:t>
+            </a:r>
+            <a:r>
+              <a:rPr lang="en-US" dirty="0" err="1"/>
               <a:t>x</a:t>
             </a:r>
             <a:r>
-              <a:rPr lang="en-US" baseline="-25000" dirty="0" err="1" smtClean="0"/>
+              <a:rPr lang="en-US" baseline="-25000" dirty="0" err="1"/>
               <a:t>n</a:t>
             </a:r>
             <a:endParaRPr lang="en-US" baseline="-25000" dirty="0"/>
@@ -5006,13 +4907,6 @@
   <p:clrMapOvr>
     <a:masterClrMapping/>
   </p:clrMapOvr>
-  <p:timing>
-    <p:tnLst>
-      <p:par>
-        <p:cTn id="1" dur="indefinite" restart="never" nodeType="tmRoot"/>
-      </p:par>
-    </p:tnLst>
-  </p:timing>
 </p:sld>
 </file>
 
@@ -5052,30 +4946,6 @@
               <a:rPr lang="en-US" b="1" dirty="0"/>
               <a:t>Naive Bayes</a:t>
             </a:r>
-          </a:p>
-        </p:txBody>
-      </p:sp>
-      <p:sp>
-        <p:nvSpPr>
-          <p:cNvPr id="8" name="Content Placeholder 7"/>
-          <p:cNvSpPr>
-            <a:spLocks noGrp="1"/>
-          </p:cNvSpPr>
-          <p:nvPr>
-            <p:ph idx="1"/>
-          </p:nvPr>
-        </p:nvSpPr>
-        <p:spPr>
-          <a:xfrm>
-            <a:off x="1419519" y="1524000"/>
-            <a:ext cx="7343481" cy="3465577"/>
-          </a:xfrm>
-        </p:spPr>
-        <p:txBody>
-          <a:bodyPr/>
-          <a:lstStyle/>
-          <a:p>
-            <a:endParaRPr lang="en-US" dirty="0"/>
           </a:p>
         </p:txBody>
       </p:sp>
@@ -5229,13 +5099,6 @@
   <p:clrMapOvr>
     <a:masterClrMapping/>
   </p:clrMapOvr>
-  <p:timing>
-    <p:tnLst>
-      <p:par>
-        <p:cTn id="1" dur="indefinite" restart="never" nodeType="tmRoot"/>
-      </p:par>
-    </p:tnLst>
-  </p:timing>
 </p:sld>
 </file>
 
@@ -5308,19 +5171,11 @@
           <a:lstStyle/>
           <a:p>
             <a:r>
-              <a:rPr lang="en-US" dirty="0" smtClean="0"/>
-              <a:t>The </a:t>
-            </a:r>
-            <a:r>
               <a:rPr lang="en-US" dirty="0"/>
-              <a:t>Naïve Bayes algorithm is comprised of two words Naïve and Bayes, Which can be described </a:t>
-            </a:r>
-            <a:r>
-              <a:rPr lang="en-US" dirty="0" smtClean="0"/>
-              <a:t>as: </a:t>
-            </a:r>
-            <a:r>
-              <a:rPr lang="en-US" b="1" dirty="0" smtClean="0"/>
+              <a:t>The Naïve Bayes algorithm is comprised of two words Naïve and Bayes, Which can be described as: </a:t>
+            </a:r>
+            <a:r>
+              <a:rPr lang="en-US" b="1" dirty="0"/>
               <a:t>Naïve</a:t>
             </a:r>
             <a:r>
@@ -5350,13 +5205,6 @@
   <p:clrMapOvr>
     <a:masterClrMapping/>
   </p:clrMapOvr>
-  <p:timing>
-    <p:tnLst>
-      <p:par>
-        <p:cTn id="1" dur="indefinite" restart="never" nodeType="tmRoot"/>
-      </p:par>
-    </p:tnLst>
-  </p:timing>
 </p:sld>
 </file>
 
@@ -5393,20 +5241,8 @@
           <a:lstStyle/>
           <a:p>
             <a:r>
-              <a:rPr lang="en-US" b="1" dirty="0" smtClean="0"/>
-              <a:t>Estimate Prior </a:t>
-            </a:r>
-            <a:r>
               <a:rPr lang="en-US" b="1" dirty="0"/>
-              <a:t>and </a:t>
-            </a:r>
-            <a:r>
-              <a:rPr lang="en-US" b="1" dirty="0" smtClean="0"/>
-              <a:t>Conditional </a:t>
-            </a:r>
-            <a:r>
-              <a:rPr lang="en-US" b="1" dirty="0"/>
-              <a:t>probability</a:t>
+              <a:t>Estimate Prior and Conditional probability</a:t>
             </a:r>
           </a:p>
         </p:txBody>
@@ -5478,7 +5314,7 @@
         </p:blipFill>
         <p:spPr>
           <a:xfrm>
-            <a:off x="228600" y="5181600"/>
+            <a:off x="1600200" y="5180233"/>
             <a:ext cx="7983064" cy="1571844"/>
           </a:xfrm>
           <a:prstGeom prst="rect">
@@ -5502,7 +5338,7 @@
         </p:blipFill>
         <p:spPr>
           <a:xfrm>
-            <a:off x="618744" y="2952428"/>
+            <a:off x="2514600" y="2876228"/>
             <a:ext cx="4534533" cy="2305372"/>
           </a:xfrm>
           <a:prstGeom prst="rect">
@@ -5520,13 +5356,6 @@
   <p:clrMapOvr>
     <a:masterClrMapping/>
   </p:clrMapOvr>
-  <p:timing>
-    <p:tnLst>
-      <p:par>
-        <p:cTn id="1" dur="indefinite" restart="never" nodeType="tmRoot"/>
-      </p:par>
-    </p:tnLst>
-  </p:timing>
 </p:sld>
 </file>
 
@@ -5568,18 +5397,9 @@
           <a:lstStyle/>
           <a:p>
             <a:r>
-              <a:rPr lang="en-US" b="1" dirty="0" smtClean="0"/>
-              <a:t>Tabular </a:t>
-            </a:r>
-            <a:r>
               <a:rPr lang="en-US" b="1" dirty="0"/>
-              <a:t>representation of </a:t>
-            </a:r>
-            <a:r>
-              <a:rPr lang="en-US" b="1" dirty="0" smtClean="0"/>
-              <a:t>an example dataset</a:t>
-            </a:r>
-            <a:endParaRPr lang="en-US" b="1" dirty="0"/>
+              <a:t>Tabular representation of an example dataset</a:t>
+            </a:r>
           </a:p>
         </p:txBody>
       </p:sp>
@@ -5591,7 +5411,6 @@
           </p:cNvGraphicFramePr>
           <p:nvPr>
             <p:ph idx="1"/>
-            <p:extLst/>
           </p:nvPr>
         </p:nvGraphicFramePr>
         <p:xfrm>
@@ -5603,12 +5422,48 @@
             <a:tbl>
               <a:tblPr/>
               <a:tblGrid>
-                <a:gridCol w="381000"/>
-                <a:gridCol w="1204340"/>
-                <a:gridCol w="1334436"/>
-                <a:gridCol w="1334436"/>
-                <a:gridCol w="1334436"/>
-                <a:gridCol w="1334436"/>
+                <a:gridCol w="381000">
+                  <a:extLst>
+                    <a:ext uri="{9D8B030D-6E8A-4147-A177-3AD203B41FA5}">
+                      <a16:colId xmlns:a16="http://schemas.microsoft.com/office/drawing/2014/main" val="20000"/>
+                    </a:ext>
+                  </a:extLst>
+                </a:gridCol>
+                <a:gridCol w="1204340">
+                  <a:extLst>
+                    <a:ext uri="{9D8B030D-6E8A-4147-A177-3AD203B41FA5}">
+                      <a16:colId xmlns:a16="http://schemas.microsoft.com/office/drawing/2014/main" val="20001"/>
+                    </a:ext>
+                  </a:extLst>
+                </a:gridCol>
+                <a:gridCol w="1334436">
+                  <a:extLst>
+                    <a:ext uri="{9D8B030D-6E8A-4147-A177-3AD203B41FA5}">
+                      <a16:colId xmlns:a16="http://schemas.microsoft.com/office/drawing/2014/main" val="20002"/>
+                    </a:ext>
+                  </a:extLst>
+                </a:gridCol>
+                <a:gridCol w="1334436">
+                  <a:extLst>
+                    <a:ext uri="{9D8B030D-6E8A-4147-A177-3AD203B41FA5}">
+                      <a16:colId xmlns:a16="http://schemas.microsoft.com/office/drawing/2014/main" val="20003"/>
+                    </a:ext>
+                  </a:extLst>
+                </a:gridCol>
+                <a:gridCol w="1334436">
+                  <a:extLst>
+                    <a:ext uri="{9D8B030D-6E8A-4147-A177-3AD203B41FA5}">
+                      <a16:colId xmlns:a16="http://schemas.microsoft.com/office/drawing/2014/main" val="20004"/>
+                    </a:ext>
+                  </a:extLst>
+                </a:gridCol>
+                <a:gridCol w="1334436">
+                  <a:extLst>
+                    <a:ext uri="{9D8B030D-6E8A-4147-A177-3AD203B41FA5}">
+                      <a16:colId xmlns:a16="http://schemas.microsoft.com/office/drawing/2014/main" val="20005"/>
+                    </a:ext>
+                  </a:extLst>
+                </a:gridCol>
               </a:tblGrid>
               <a:tr h="400331">
                 <a:tc>
@@ -5670,16 +5525,12 @@
                     <a:p>
                       <a:pPr algn="ctr" fontAlgn="base"/>
                       <a:r>
-                        <a:rPr lang="en-US" sz="1400" b="1" dirty="0" smtClean="0">
+                        <a:rPr lang="en-US" sz="1400" b="1" dirty="0">
                           <a:effectLst/>
                           <a:latin typeface="Gill Sans MT" panose="020B0502020104020203" pitchFamily="34" charset="0"/>
                         </a:rPr>
                         <a:t>Outlook</a:t>
                       </a:r>
-                      <a:endParaRPr lang="en-US" sz="1400" b="1" dirty="0">
-                        <a:effectLst/>
-                        <a:latin typeface="Gill Sans MT" panose="020B0502020104020203" pitchFamily="34" charset="0"/>
-                      </a:endParaRPr>
                     </a:p>
                   </a:txBody>
                   <a:tcPr marL="44481" marR="44481" marT="44481" marB="44481" anchor="ctr">
@@ -5952,6 +5803,11 @@
                     </a:solidFill>
                   </a:tcPr>
                 </a:tc>
+                <a:extLst>
+                  <a:ext uri="{0D108BD9-81ED-4DB2-BD59-A6C34878D82A}">
+                    <a16:rowId xmlns:a16="http://schemas.microsoft.com/office/drawing/2014/main" val="10000"/>
+                  </a:ext>
+                </a:extLst>
               </a:tr>
               <a:tr h="294688">
                 <a:tc>
@@ -6296,6 +6152,11 @@
                     </a:solidFill>
                   </a:tcPr>
                 </a:tc>
+                <a:extLst>
+                  <a:ext uri="{0D108BD9-81ED-4DB2-BD59-A6C34878D82A}">
+                    <a16:rowId xmlns:a16="http://schemas.microsoft.com/office/drawing/2014/main" val="10001"/>
+                  </a:ext>
+                </a:extLst>
               </a:tr>
               <a:tr h="294688">
                 <a:tc>
@@ -6640,6 +6501,11 @@
                     </a:solidFill>
                   </a:tcPr>
                 </a:tc>
+                <a:extLst>
+                  <a:ext uri="{0D108BD9-81ED-4DB2-BD59-A6C34878D82A}">
+                    <a16:rowId xmlns:a16="http://schemas.microsoft.com/office/drawing/2014/main" val="10002"/>
+                  </a:ext>
+                </a:extLst>
               </a:tr>
               <a:tr h="294688">
                 <a:tc>
@@ -6984,6 +6850,11 @@
                     </a:solidFill>
                   </a:tcPr>
                 </a:tc>
+                <a:extLst>
+                  <a:ext uri="{0D108BD9-81ED-4DB2-BD59-A6C34878D82A}">
+                    <a16:rowId xmlns:a16="http://schemas.microsoft.com/office/drawing/2014/main" val="10003"/>
+                  </a:ext>
+                </a:extLst>
               </a:tr>
               <a:tr h="294688">
                 <a:tc>
@@ -7328,6 +7199,11 @@
                     </a:solidFill>
                   </a:tcPr>
                 </a:tc>
+                <a:extLst>
+                  <a:ext uri="{0D108BD9-81ED-4DB2-BD59-A6C34878D82A}">
+                    <a16:rowId xmlns:a16="http://schemas.microsoft.com/office/drawing/2014/main" val="10004"/>
+                  </a:ext>
+                </a:extLst>
               </a:tr>
               <a:tr h="294688">
                 <a:tc>
@@ -7622,16 +7498,12 @@
                     <a:p>
                       <a:pPr algn="ctr" fontAlgn="ctr"/>
                       <a:r>
-                        <a:rPr lang="en-US" sz="1400" b="0" dirty="0" smtClean="0">
+                        <a:rPr lang="en-US" sz="1400" b="0" dirty="0">
                           <a:effectLst/>
                           <a:latin typeface="Gill Sans MT" panose="020B0502020104020203" pitchFamily="34" charset="0"/>
                         </a:rPr>
                         <a:t>Yes</a:t>
                       </a:r>
-                      <a:endParaRPr lang="en-US" sz="1400" b="0" dirty="0">
-                        <a:effectLst/>
-                        <a:latin typeface="Gill Sans MT" panose="020B0502020104020203" pitchFamily="34" charset="0"/>
-                      </a:endParaRPr>
                     </a:p>
                   </a:txBody>
                   <a:tcPr marL="55602" marR="55602" marT="77842" marB="77842" anchor="ctr">
@@ -7676,6 +7548,11 @@
                     </a:solidFill>
                   </a:tcPr>
                 </a:tc>
+                <a:extLst>
+                  <a:ext uri="{0D108BD9-81ED-4DB2-BD59-A6C34878D82A}">
+                    <a16:rowId xmlns:a16="http://schemas.microsoft.com/office/drawing/2014/main" val="10005"/>
+                  </a:ext>
+                </a:extLst>
               </a:tr>
               <a:tr h="294688">
                 <a:tc>
@@ -8020,6 +7897,11 @@
                     </a:solidFill>
                   </a:tcPr>
                 </a:tc>
+                <a:extLst>
+                  <a:ext uri="{0D108BD9-81ED-4DB2-BD59-A6C34878D82A}">
+                    <a16:rowId xmlns:a16="http://schemas.microsoft.com/office/drawing/2014/main" val="10006"/>
+                  </a:ext>
+                </a:extLst>
               </a:tr>
               <a:tr h="294688">
                 <a:tc>
@@ -8364,6 +8246,11 @@
                     </a:solidFill>
                   </a:tcPr>
                 </a:tc>
+                <a:extLst>
+                  <a:ext uri="{0D108BD9-81ED-4DB2-BD59-A6C34878D82A}">
+                    <a16:rowId xmlns:a16="http://schemas.microsoft.com/office/drawing/2014/main" val="10007"/>
+                  </a:ext>
+                </a:extLst>
               </a:tr>
               <a:tr h="294688">
                 <a:tc>
@@ -8708,6 +8595,11 @@
                     </a:solidFill>
                   </a:tcPr>
                 </a:tc>
+                <a:extLst>
+                  <a:ext uri="{0D108BD9-81ED-4DB2-BD59-A6C34878D82A}">
+                    <a16:rowId xmlns:a16="http://schemas.microsoft.com/office/drawing/2014/main" val="10008"/>
+                  </a:ext>
+                </a:extLst>
               </a:tr>
               <a:tr h="294688">
                 <a:tc>
@@ -9052,6 +8944,11 @@
                     </a:solidFill>
                   </a:tcPr>
                 </a:tc>
+                <a:extLst>
+                  <a:ext uri="{0D108BD9-81ED-4DB2-BD59-A6C34878D82A}">
+                    <a16:rowId xmlns:a16="http://schemas.microsoft.com/office/drawing/2014/main" val="10009"/>
+                  </a:ext>
+                </a:extLst>
               </a:tr>
               <a:tr h="294688">
                 <a:tc>
@@ -9396,6 +9293,11 @@
                     </a:solidFill>
                   </a:tcPr>
                 </a:tc>
+                <a:extLst>
+                  <a:ext uri="{0D108BD9-81ED-4DB2-BD59-A6C34878D82A}">
+                    <a16:rowId xmlns:a16="http://schemas.microsoft.com/office/drawing/2014/main" val="10010"/>
+                  </a:ext>
+                </a:extLst>
               </a:tr>
               <a:tr h="294688">
                 <a:tc>
@@ -9740,6 +9642,11 @@
                     </a:solidFill>
                   </a:tcPr>
                 </a:tc>
+                <a:extLst>
+                  <a:ext uri="{0D108BD9-81ED-4DB2-BD59-A6C34878D82A}">
+                    <a16:rowId xmlns:a16="http://schemas.microsoft.com/office/drawing/2014/main" val="10011"/>
+                  </a:ext>
+                </a:extLst>
               </a:tr>
               <a:tr h="294688">
                 <a:tc>
@@ -10084,6 +9991,11 @@
                     </a:solidFill>
                   </a:tcPr>
                 </a:tc>
+                <a:extLst>
+                  <a:ext uri="{0D108BD9-81ED-4DB2-BD59-A6C34878D82A}">
+                    <a16:rowId xmlns:a16="http://schemas.microsoft.com/office/drawing/2014/main" val="10012"/>
+                  </a:ext>
+                </a:extLst>
               </a:tr>
               <a:tr h="294688">
                 <a:tc>
@@ -10428,6 +10340,11 @@
                     </a:solidFill>
                   </a:tcPr>
                 </a:tc>
+                <a:extLst>
+                  <a:ext uri="{0D108BD9-81ED-4DB2-BD59-A6C34878D82A}">
+                    <a16:rowId xmlns:a16="http://schemas.microsoft.com/office/drawing/2014/main" val="10013"/>
+                  </a:ext>
+                </a:extLst>
               </a:tr>
               <a:tr h="294688">
                 <a:tc>
@@ -10772,6 +10689,11 @@
                     </a:solidFill>
                   </a:tcPr>
                 </a:tc>
+                <a:extLst>
+                  <a:ext uri="{0D108BD9-81ED-4DB2-BD59-A6C34878D82A}">
+                    <a16:rowId xmlns:a16="http://schemas.microsoft.com/office/drawing/2014/main" val="10014"/>
+                  </a:ext>
+                </a:extLst>
               </a:tr>
             </a:tbl>
           </a:graphicData>
@@ -10854,19 +10776,7 @@
               <a:rPr lang="en-US" dirty="0">
                 <a:latin typeface="Gill Sans MT" panose="020B0502020104020203" pitchFamily="34" charset="0"/>
               </a:rPr>
-              <a:t>. </a:t>
-            </a:r>
-            <a:r>
-              <a:rPr lang="en-US" dirty="0" smtClean="0">
-                <a:latin typeface="Gill Sans MT" panose="020B0502020104020203" pitchFamily="34" charset="0"/>
-              </a:rPr>
-              <a:t>In the </a:t>
-            </a:r>
-            <a:r>
-              <a:rPr lang="en-US" dirty="0">
-                <a:latin typeface="Gill Sans MT" panose="020B0502020104020203" pitchFamily="34" charset="0"/>
-              </a:rPr>
-              <a:t>dataset, features are ‘Outlook’, ‘Temperature’, ‘Humidity’ and ‘Windy’.</a:t>
+              <a:t>. In the dataset, features are ‘Outlook’, ‘Temperature’, ‘Humidity’ and ‘Windy’.</a:t>
             </a:r>
           </a:p>
           <a:p>
@@ -10890,19 +10800,7 @@
               <a:rPr lang="en-US" dirty="0">
                 <a:latin typeface="Gill Sans MT" panose="020B0502020104020203" pitchFamily="34" charset="0"/>
               </a:rPr>
-              <a:t>(prediction or output) for each row of feature matrix. In </a:t>
-            </a:r>
-            <a:r>
-              <a:rPr lang="en-US" dirty="0" smtClean="0">
-                <a:latin typeface="Gill Sans MT" panose="020B0502020104020203" pitchFamily="34" charset="0"/>
-              </a:rPr>
-              <a:t>the </a:t>
-            </a:r>
-            <a:r>
-              <a:rPr lang="en-US" dirty="0">
-                <a:latin typeface="Gill Sans MT" panose="020B0502020104020203" pitchFamily="34" charset="0"/>
-              </a:rPr>
-              <a:t>dataset, the class variable name is ‘Play golf’</a:t>
+              <a:t>(prediction or output) for each row of feature matrix. In the dataset, the class variable name is ‘Play golf’</a:t>
             </a:r>
           </a:p>
         </p:txBody>
@@ -10917,13 +10815,6 @@
   <p:clrMapOvr>
     <a:masterClrMapping/>
   </p:clrMapOvr>
-  <p:timing>
-    <p:tnLst>
-      <p:par>
-        <p:cTn id="1" dur="indefinite" restart="never" nodeType="tmRoot"/>
-      </p:par>
-    </p:tnLst>
-  </p:timing>
 </p:sld>
 </file>
 
@@ -10944,25 +10835,6 @@
           <a:chExt cx="0" cy="0"/>
         </a:xfrm>
       </p:grpSpPr>
-      <p:sp>
-        <p:nvSpPr>
-          <p:cNvPr id="2" name="Title 1"/>
-          <p:cNvSpPr>
-            <a:spLocks noGrp="1"/>
-          </p:cNvSpPr>
-          <p:nvPr>
-            <p:ph type="title"/>
-          </p:nvPr>
-        </p:nvSpPr>
-        <p:spPr/>
-        <p:txBody>
-          <a:bodyPr/>
-          <a:lstStyle/>
-          <a:p>
-            <a:endParaRPr lang="en-US"/>
-          </a:p>
-        </p:txBody>
-      </p:sp>
       <p:sp>
         <p:nvSpPr>
           <p:cNvPr id="3" name="Content Placeholder 2"/>
@@ -11142,26 +11014,14 @@
           <a:p>
             <a:r>
               <a:rPr lang="en-US" b="1" dirty="0"/>
-              <a:t>Naive </a:t>
-            </a:r>
-            <a:r>
-              <a:rPr lang="en-US" b="1" dirty="0" smtClean="0"/>
-              <a:t>assumption</a:t>
+              <a:t>Naive assumption</a:t>
             </a:r>
             <a:br>
-              <a:rPr lang="en-US" b="1" dirty="0" smtClean="0"/>
+              <a:rPr lang="en-US" b="1" dirty="0"/>
             </a:br>
             <a:r>
               <a:rPr lang="en-US" i="1" dirty="0"/>
-              <a:t>Example </a:t>
-            </a:r>
-            <a:r>
-              <a:rPr lang="en-US" i="1" dirty="0" smtClean="0"/>
-              <a:t>1</a:t>
-            </a:r>
-            <a:r>
-              <a:rPr lang="en-US" dirty="0"/>
-              <a:t/>
+              <a:t>Example 1</a:t>
             </a:r>
             <a:br>
               <a:rPr lang="en-US" dirty="0"/>
@@ -11281,14 +11141,11 @@
           <a:p>
             <a:pPr algn="l"/>
             <a:r>
-              <a:rPr lang="en-US" dirty="0" smtClean="0">
+              <a:rPr lang="en-US" dirty="0">
                 <a:latin typeface="Gill Sans MT" panose="020B0502020104020203" pitchFamily="34" charset="0"/>
               </a:rPr>
               <a:t>Contents</a:t>
             </a:r>
-            <a:endParaRPr lang="en-US" dirty="0">
-              <a:latin typeface="Gill Sans MT" panose="020B0502020104020203" pitchFamily="34" charset="0"/>
-            </a:endParaRPr>
           </a:p>
         </p:txBody>
       </p:sp>
@@ -11329,11 +11186,7 @@
             </a:pPr>
             <a:r>
               <a:rPr lang="en-US" sz="1800" dirty="0"/>
-              <a:t>A Gentle Introduction to Machine </a:t>
-            </a:r>
-            <a:r>
-              <a:rPr lang="en-US" sz="1800" dirty="0" smtClean="0"/>
-              <a:t>Learning</a:t>
+              <a:t>A Gentle Introduction to Machine Learning</a:t>
             </a:r>
           </a:p>
           <a:p>
@@ -11342,14 +11195,13 @@
               <a:buChar char="ü"/>
             </a:pPr>
             <a:r>
-              <a:rPr lang="en-US" sz="1800" smtClean="0"/>
+              <a:rPr lang="en-US" sz="1800"/>
               <a:t>Logistic </a:t>
             </a:r>
             <a:r>
               <a:rPr lang="en-US" sz="1800" dirty="0"/>
               <a:t>Regression</a:t>
             </a:r>
-            <a:endParaRPr lang="en-US" sz="1800" dirty="0" smtClean="0"/>
           </a:p>
           <a:p>
             <a:pPr>
@@ -11357,7 +11209,7 @@
               <a:buChar char="ü"/>
             </a:pPr>
             <a:r>
-              <a:rPr lang="en-US" sz="1800" dirty="0" smtClean="0"/>
+              <a:rPr lang="en-US" sz="1800" dirty="0"/>
               <a:t>Naive Bayes</a:t>
             </a:r>
           </a:p>
@@ -11370,7 +11222,6 @@
               <a:rPr lang="en-US" sz="1800" dirty="0"/>
               <a:t>Support Vector Machines</a:t>
             </a:r>
-            <a:endParaRPr lang="en-US" sz="1800" dirty="0" smtClean="0"/>
           </a:p>
           <a:p>
             <a:pPr>
@@ -11379,11 +11230,7 @@
             </a:pPr>
             <a:r>
               <a:rPr lang="en-US" sz="1800" dirty="0"/>
-              <a:t>Decision Trees and Ensemble </a:t>
-            </a:r>
-            <a:r>
-              <a:rPr lang="en-US" sz="1800" dirty="0" smtClean="0"/>
-              <a:t>Learning</a:t>
+              <a:t>Decision Trees and Ensemble Learning</a:t>
             </a:r>
           </a:p>
           <a:p>
@@ -11393,11 +11240,7 @@
             </a:pPr>
             <a:r>
               <a:rPr lang="en-US" sz="1800" dirty="0"/>
-              <a:t>Clustering </a:t>
-            </a:r>
-            <a:r>
-              <a:rPr lang="en-US" sz="1800" dirty="0" smtClean="0"/>
-              <a:t>Fundamentals</a:t>
+              <a:t>Clustering Fundamentals</a:t>
             </a:r>
           </a:p>
           <a:p>
@@ -11409,7 +11252,6 @@
               <a:rPr lang="en-US" sz="1800" dirty="0"/>
               <a:t>Hierarchical Clustering</a:t>
             </a:r>
-            <a:endParaRPr lang="en-US" sz="1800" dirty="0" smtClean="0"/>
           </a:p>
           <a:p>
             <a:pPr>
@@ -11427,12 +11269,8 @@
               <a:buChar char="ü"/>
             </a:pPr>
             <a:r>
-              <a:rPr lang="en-US" sz="1800" dirty="0" smtClean="0"/>
-              <a:t>Unsupervised </a:t>
-            </a:r>
-            <a:r>
               <a:rPr lang="en-US" sz="1800" dirty="0"/>
-              <a:t>Learning</a:t>
+              <a:t>Unsupervised Learning</a:t>
             </a:r>
             <a:endParaRPr lang="en-US" sz="1700" dirty="0"/>
           </a:p>
@@ -11455,13 +11293,6 @@
   <p:clrMapOvr>
     <a:masterClrMapping/>
   </p:clrMapOvr>
-  <p:timing>
-    <p:tnLst>
-      <p:par>
-        <p:cTn id="1" dur="indefinite" restart="never" nodeType="tmRoot"/>
-      </p:par>
-    </p:tnLst>
-  </p:timing>
 </p:sld>
 </file>
 
@@ -11501,33 +11332,10 @@
               <a:rPr lang="en-US" b="1" dirty="0"/>
               <a:t>Naive assumption</a:t>
             </a:r>
-            <a:r>
-              <a:rPr lang="en-US" dirty="0"/>
-              <a:t/>
-            </a:r>
             <a:br>
               <a:rPr lang="en-US" dirty="0"/>
             </a:br>
             <a:endParaRPr lang="en-US" dirty="0"/>
-          </a:p>
-        </p:txBody>
-      </p:sp>
-      <p:sp>
-        <p:nvSpPr>
-          <p:cNvPr id="3" name="Content Placeholder 2"/>
-          <p:cNvSpPr>
-            <a:spLocks noGrp="1"/>
-          </p:cNvSpPr>
-          <p:nvPr>
-            <p:ph idx="1"/>
-          </p:nvPr>
-        </p:nvSpPr>
-        <p:spPr/>
-        <p:txBody>
-          <a:bodyPr/>
-          <a:lstStyle/>
-          <a:p>
-            <a:endParaRPr lang="en-US"/>
           </a:p>
         </p:txBody>
       </p:sp>
@@ -11616,10 +11424,6 @@
               <a:rPr lang="en-US" b="1" dirty="0"/>
               <a:t>Naive assumption</a:t>
             </a:r>
-            <a:r>
-              <a:rPr lang="en-US" dirty="0"/>
-              <a:t/>
-            </a:r>
             <a:br>
               <a:rPr lang="en-US" dirty="0"/>
             </a:br>
@@ -11737,22 +11541,14 @@
           <a:p>
             <a:r>
               <a:rPr lang="en-US" b="1" dirty="0"/>
-              <a:t>Naive </a:t>
-            </a:r>
-            <a:r>
-              <a:rPr lang="en-US" b="1" dirty="0" smtClean="0"/>
-              <a:t>assumption</a:t>
+              <a:t>Naive assumption</a:t>
             </a:r>
             <a:br>
-              <a:rPr lang="en-US" b="1" dirty="0" smtClean="0"/>
+              <a:rPr lang="en-US" b="1" dirty="0"/>
             </a:br>
             <a:r>
               <a:rPr lang="en-US" i="1" dirty="0"/>
               <a:t>Example 2</a:t>
-            </a:r>
-            <a:r>
-              <a:rPr lang="en-US" dirty="0"/>
-              <a:t/>
             </a:r>
             <a:br>
               <a:rPr lang="en-US" dirty="0"/>
@@ -11871,26 +11667,14 @@
           <a:p>
             <a:r>
               <a:rPr lang="en-US" b="1" dirty="0"/>
-              <a:t>Naive </a:t>
-            </a:r>
-            <a:r>
-              <a:rPr lang="en-US" b="1" dirty="0" smtClean="0"/>
-              <a:t>assumption</a:t>
+              <a:t>Naive assumption</a:t>
             </a:r>
             <a:br>
-              <a:rPr lang="en-US" b="1" dirty="0" smtClean="0"/>
+              <a:rPr lang="en-US" b="1" dirty="0"/>
             </a:br>
             <a:r>
               <a:rPr lang="en-US" i="1" dirty="0"/>
-              <a:t>Example </a:t>
-            </a:r>
-            <a:r>
-              <a:rPr lang="en-US" i="1" dirty="0" smtClean="0"/>
-              <a:t>3</a:t>
-            </a:r>
-            <a:r>
-              <a:rPr lang="en-US" dirty="0"/>
-              <a:t/>
+              <a:t>Example 3</a:t>
             </a:r>
             <a:br>
               <a:rPr lang="en-US" dirty="0"/>
@@ -11924,27 +11708,14 @@
             <a:pPr fontAlgn="base"/>
             <a:r>
               <a:rPr lang="en-US" dirty="0"/>
-              <a:t>Let us try to apply the </a:t>
-            </a:r>
-            <a:r>
-              <a:rPr lang="en-US" dirty="0" smtClean="0"/>
-              <a:t>Naive formula </a:t>
-            </a:r>
+              <a:t>Let us try to apply the Naive formula manually on our weather dataset. </a:t>
+            </a:r>
+          </a:p>
+          <a:p>
+            <a:pPr fontAlgn="base"/>
             <a:r>
               <a:rPr lang="en-US" dirty="0"/>
-              <a:t>manually on our weather dataset. </a:t>
-            </a:r>
-            <a:endParaRPr lang="en-US" dirty="0" smtClean="0"/>
-          </a:p>
-          <a:p>
-            <a:pPr fontAlgn="base"/>
-            <a:r>
-              <a:rPr lang="en-US" dirty="0" smtClean="0"/>
-              <a:t>We </a:t>
-            </a:r>
-            <a:r>
-              <a:rPr lang="en-US" dirty="0"/>
-              <a:t>need to find P(x</a:t>
+              <a:t>We need to find P(x</a:t>
             </a:r>
             <a:r>
               <a:rPr lang="en-US" baseline="-25000" dirty="0"/>
@@ -11986,25 +11757,12 @@
               <a:rPr lang="en-US" dirty="0"/>
               <a:t> in y. </a:t>
             </a:r>
-            <a:endParaRPr lang="en-US" dirty="0" smtClean="0"/>
           </a:p>
           <a:p>
             <a:pPr fontAlgn="base"/>
             <a:r>
-              <a:rPr lang="en-US" dirty="0" smtClean="0"/>
-              <a:t>So</a:t>
-            </a:r>
-            <a:r>
               <a:rPr lang="en-US" dirty="0"/>
-              <a:t>, in the </a:t>
-            </a:r>
-            <a:r>
-              <a:rPr lang="en-US" dirty="0" smtClean="0"/>
-              <a:t>figure, </a:t>
-            </a:r>
-            <a:r>
-              <a:rPr lang="en-US" dirty="0"/>
-              <a:t>we have calculated P(x</a:t>
+              <a:t>So, in the figure, we have calculated P(x</a:t>
             </a:r>
             <a:r>
               <a:rPr lang="en-US" baseline="-25000" dirty="0"/>
@@ -12119,13 +11877,6 @@
   <p:clrMapOvr>
     <a:masterClrMapping/>
   </p:clrMapOvr>
-  <p:timing>
-    <p:tnLst>
-      <p:par>
-        <p:cTn id="1" dur="indefinite" restart="never" nodeType="tmRoot"/>
-      </p:par>
-    </p:tnLst>
-  </p:timing>
 </p:sld>
 </file>
 
@@ -12165,10 +11916,6 @@
               <a:rPr lang="en-US" b="1" dirty="0"/>
               <a:t>Naive assumption</a:t>
             </a:r>
-            <a:r>
-              <a:rPr lang="en-US" dirty="0"/>
-              <a:t/>
-            </a:r>
             <a:br>
               <a:rPr lang="en-US" dirty="0"/>
             </a:br>
@@ -12201,11 +11948,7 @@
             <a:pPr fontAlgn="base"/>
             <a:r>
               <a:rPr lang="en-US" dirty="0"/>
-              <a:t>Let us test it on a new set of features (let us call it today</a:t>
-            </a:r>
-            <a:r>
-              <a:rPr lang="en-US" dirty="0" smtClean="0"/>
-              <a:t>):</a:t>
+              <a:t>Let us test it on a new set of features (let us call it today):</a:t>
             </a:r>
           </a:p>
           <a:p>
@@ -12231,11 +11974,7 @@
             <a:pPr fontAlgn="base"/>
             <a:r>
               <a:rPr lang="en-US" dirty="0"/>
-              <a:t>So, probability of playing golf is given by</a:t>
-            </a:r>
-            <a:r>
-              <a:rPr lang="en-US" dirty="0" smtClean="0"/>
-              <a:t>:</a:t>
+              <a:t>So, probability of playing golf is given by:</a:t>
             </a:r>
           </a:p>
           <a:p>
@@ -12244,7 +11983,7 @@
           </a:p>
           <a:p>
             <a:pPr fontAlgn="base"/>
-            <a:endParaRPr lang="en-US" dirty="0" smtClean="0"/>
+            <a:endParaRPr lang="en-US" dirty="0"/>
           </a:p>
           <a:p>
             <a:pPr fontAlgn="base"/>
@@ -12254,20 +11993,12 @@
             <a:pPr fontAlgn="base"/>
             <a:r>
               <a:rPr lang="en-US" dirty="0"/>
-              <a:t>and probability to not play golf is given by</a:t>
-            </a:r>
-            <a:r>
-              <a:rPr lang="en-US" dirty="0" smtClean="0"/>
-              <a:t>:</a:t>
-            </a:r>
-            <a:r>
-              <a:rPr lang="en-US" dirty="0"/>
-              <a:t/>
+              <a:t>and probability to not play golf is given by:</a:t>
             </a:r>
             <a:br>
               <a:rPr lang="en-US" dirty="0"/>
             </a:br>
-            <a:endParaRPr lang="en-US" dirty="0" smtClean="0"/>
+            <a:endParaRPr lang="en-US" dirty="0"/>
           </a:p>
           <a:p>
             <a:pPr fontAlgn="base"/>
@@ -12363,13 +12094,6 @@
   <p:clrMapOvr>
     <a:masterClrMapping/>
   </p:clrMapOvr>
-  <p:timing>
-    <p:tnLst>
-      <p:par>
-        <p:cTn id="1" dur="indefinite" restart="never" nodeType="tmRoot"/>
-      </p:par>
-    </p:tnLst>
-  </p:timing>
 </p:sld>
 </file>
 
@@ -12409,10 +12133,6 @@
               <a:rPr lang="en-US" b="1" dirty="0"/>
               <a:t>Naive assumption</a:t>
             </a:r>
-            <a:r>
-              <a:rPr lang="en-US" dirty="0"/>
-              <a:t/>
-            </a:r>
             <a:br>
               <a:rPr lang="en-US" dirty="0"/>
             </a:br>
@@ -12444,21 +12164,17 @@
           <a:p>
             <a:r>
               <a:rPr lang="en-US" dirty="0"/>
-              <a:t>Since, P(today) is common in both probabilities, we can ignore P(today) and find proportional probabilities as</a:t>
-            </a:r>
-            <a:r>
-              <a:rPr lang="en-US" dirty="0" smtClean="0"/>
-              <a:t>:</a:t>
+              <a:t>Since, P(today) is common in both probabilities, we can ignore P(today) and find proportional probabilities as:</a:t>
             </a:r>
           </a:p>
           <a:p>
             <a:endParaRPr lang="en-US" dirty="0"/>
           </a:p>
           <a:p>
-            <a:endParaRPr lang="en-US" dirty="0" smtClean="0"/>
-          </a:p>
-          <a:p>
-            <a:endParaRPr lang="en-US" dirty="0" smtClean="0"/>
+            <a:endParaRPr lang="en-US" dirty="0"/>
+          </a:p>
+          <a:p>
+            <a:endParaRPr lang="en-US" dirty="0"/>
           </a:p>
         </p:txBody>
       </p:sp>
@@ -12508,13 +12224,6 @@
   <p:clrMapOvr>
     <a:masterClrMapping/>
   </p:clrMapOvr>
-  <p:timing>
-    <p:tnLst>
-      <p:par>
-        <p:cTn id="1" dur="indefinite" restart="never" nodeType="tmRoot"/>
-      </p:par>
-    </p:tnLst>
-  </p:timing>
 </p:sld>
 </file>
 
@@ -12554,10 +12263,6 @@
               <a:rPr lang="en-US" b="1" dirty="0"/>
               <a:t>Naive assumption</a:t>
             </a:r>
-            <a:r>
-              <a:rPr lang="en-US" dirty="0"/>
-              <a:t/>
-            </a:r>
             <a:br>
               <a:rPr lang="en-US" dirty="0"/>
             </a:br>
@@ -12589,16 +12294,8 @@
           <a:p>
             <a:pPr fontAlgn="base"/>
             <a:r>
-              <a:rPr lang="en-US" dirty="0" smtClean="0"/>
-              <a:t>These </a:t>
-            </a:r>
-            <a:r>
               <a:rPr lang="en-US" dirty="0"/>
-              <a:t>numbers can be converted into a probability by making the sum equal to 1 (normalization</a:t>
-            </a:r>
-            <a:r>
-              <a:rPr lang="en-US" dirty="0" smtClean="0"/>
-              <a:t>):</a:t>
+              <a:t>These numbers can be converted into a probability by making the sum equal to 1 (normalization):</a:t>
             </a:r>
           </a:p>
           <a:p>
@@ -12607,15 +12304,7 @@
           </a:p>
           <a:p>
             <a:pPr fontAlgn="base"/>
-            <a:endParaRPr lang="en-US" dirty="0" smtClean="0"/>
-          </a:p>
-          <a:p>
-            <a:pPr fontAlgn="base"/>
-            <a:endParaRPr lang="en-US" dirty="0" smtClean="0"/>
-          </a:p>
-          <a:p>
-            <a:pPr fontAlgn="base"/>
-            <a:endParaRPr lang="en-US" dirty="0" smtClean="0"/>
+            <a:endParaRPr lang="en-US" dirty="0"/>
           </a:p>
           <a:p>
             <a:pPr fontAlgn="base"/>
@@ -12623,7 +12312,7 @@
           </a:p>
           <a:p>
             <a:pPr fontAlgn="base"/>
-            <a:endParaRPr lang="en-US" dirty="0" smtClean="0"/>
+            <a:endParaRPr lang="en-US" dirty="0"/>
           </a:p>
           <a:p>
             <a:pPr fontAlgn="base"/>
@@ -12635,13 +12324,17 @@
           </a:p>
           <a:p>
             <a:pPr fontAlgn="base"/>
-            <a:r>
-              <a:rPr lang="en-US" dirty="0" smtClean="0"/>
-              <a:t>So</a:t>
-            </a:r>
+            <a:endParaRPr lang="en-US" dirty="0"/>
+          </a:p>
+          <a:p>
+            <a:pPr fontAlgn="base"/>
+            <a:endParaRPr lang="en-US" dirty="0"/>
+          </a:p>
+          <a:p>
+            <a:pPr fontAlgn="base"/>
             <a:r>
               <a:rPr lang="en-US" dirty="0"/>
-              <a:t>, prediction that golf would be played is ‘Yes’.</a:t>
+              <a:t>So, prediction that golf would be played is ‘Yes’.</a:t>
             </a:r>
           </a:p>
           <a:p>
@@ -12656,15 +12349,7 @@
             </a:r>
             <a:r>
               <a:rPr lang="en-US" dirty="0"/>
-              <a:t> | y</a:t>
-            </a:r>
-            <a:r>
-              <a:rPr lang="en-US" dirty="0" smtClean="0"/>
-              <a:t>).</a:t>
-            </a:r>
-            <a:r>
-              <a:rPr lang="en-US" dirty="0"/>
-              <a:t/>
+              <a:t> | y).</a:t>
             </a:r>
             <a:br>
               <a:rPr lang="en-US" dirty="0"/>
@@ -12719,13 +12404,6 @@
   <p:clrMapOvr>
     <a:masterClrMapping/>
   </p:clrMapOvr>
-  <p:timing>
-    <p:tnLst>
-      <p:par>
-        <p:cTn id="1" dur="indefinite" restart="never" nodeType="tmRoot"/>
-      </p:par>
-    </p:tnLst>
-  </p:timing>
 </p:sld>
 </file>
 
@@ -12821,13 +12499,6 @@
   <p:clrMapOvr>
     <a:masterClrMapping/>
   </p:clrMapOvr>
-  <p:timing>
-    <p:tnLst>
-      <p:par>
-        <p:cTn id="1" dur="indefinite" restart="never" nodeType="tmRoot"/>
-      </p:par>
-    </p:tnLst>
-  </p:timing>
 </p:sld>
 </file>
 
@@ -12858,109 +12529,6 @@
             <p:ph type="title"/>
           </p:nvPr>
         </p:nvSpPr>
-        <p:spPr>
-          <a:xfrm>
-            <a:off x="609600" y="381000"/>
-            <a:ext cx="10972800" cy="1143000"/>
-          </a:xfrm>
-        </p:spPr>
-        <p:txBody>
-          <a:bodyPr/>
-          <a:lstStyle/>
-          <a:p>
-            <a:pPr algn="l"/>
-            <a:r>
-              <a:rPr lang="en-US" b="1" dirty="0"/>
-              <a:t>Outline</a:t>
-            </a:r>
-          </a:p>
-        </p:txBody>
-      </p:sp>
-      <p:sp>
-        <p:nvSpPr>
-          <p:cNvPr id="3" name="Content Placeholder 2"/>
-          <p:cNvSpPr>
-            <a:spLocks noGrp="1"/>
-          </p:cNvSpPr>
-          <p:nvPr>
-            <p:ph idx="1"/>
-          </p:nvPr>
-        </p:nvSpPr>
-        <p:spPr/>
-        <p:txBody>
-          <a:bodyPr>
-            <a:normAutofit/>
-          </a:bodyPr>
-          <a:lstStyle/>
-          <a:p>
-            <a:r>
-              <a:rPr lang="en-US" sz="2400" dirty="0"/>
-              <a:t>Naive </a:t>
-            </a:r>
-            <a:r>
-              <a:rPr lang="en-US" sz="2400" dirty="0" smtClean="0"/>
-              <a:t>Bayes</a:t>
-            </a:r>
-          </a:p>
-          <a:p>
-            <a:pPr lvl="1"/>
-            <a:r>
-              <a:rPr lang="en-US" sz="2200" dirty="0" smtClean="0"/>
-              <a:t>Bayes' theorem</a:t>
-            </a:r>
-          </a:p>
-          <a:p>
-            <a:endParaRPr lang="en-US" sz="2400" dirty="0"/>
-          </a:p>
-        </p:txBody>
-      </p:sp>
-    </p:spTree>
-    <p:extLst>
-      <p:ext uri="{BB962C8B-B14F-4D97-AF65-F5344CB8AC3E}">
-        <p14:creationId xmlns:p14="http://schemas.microsoft.com/office/powerpoint/2010/main" val="2877922936"/>
-      </p:ext>
-    </p:extLst>
-  </p:cSld>
-  <p:clrMapOvr>
-    <a:masterClrMapping/>
-  </p:clrMapOvr>
-  <p:timing>
-    <p:tnLst>
-      <p:par>
-        <p:cTn id="1" dur="indefinite" restart="never" nodeType="tmRoot"/>
-      </p:par>
-    </p:tnLst>
-  </p:timing>
-</p:sld>
-</file>
-
-<file path=ppt/slides/slide4.xml><?xml version="1.0" encoding="utf-8"?>
-<p:sld xmlns:a="http://schemas.openxmlformats.org/drawingml/2006/main" xmlns:r="http://schemas.openxmlformats.org/officeDocument/2006/relationships" xmlns:p="http://schemas.openxmlformats.org/presentationml/2006/main">
-  <p:cSld>
-    <p:spTree>
-      <p:nvGrpSpPr>
-        <p:cNvPr id="1" name=""/>
-        <p:cNvGrpSpPr/>
-        <p:nvPr/>
-      </p:nvGrpSpPr>
-      <p:grpSpPr>
-        <a:xfrm>
-          <a:off x="0" y="0"/>
-          <a:ext cx="0" cy="0"/>
-          <a:chOff x="0" y="0"/>
-          <a:chExt cx="0" cy="0"/>
-        </a:xfrm>
-      </p:grpSpPr>
-      <p:sp>
-        <p:nvSpPr>
-          <p:cNvPr id="2" name="Title 1"/>
-          <p:cNvSpPr>
-            <a:spLocks noGrp="1"/>
-          </p:cNvSpPr>
-          <p:nvPr>
-            <p:ph type="title"/>
-          </p:nvPr>
-        </p:nvSpPr>
         <p:spPr/>
         <p:txBody>
           <a:bodyPr/>
@@ -12993,19 +12561,15 @@
               <a:buNone/>
             </a:pPr>
             <a:r>
-              <a:rPr lang="en-US" b="1" dirty="0" smtClean="0"/>
+              <a:rPr lang="en-US" b="1" dirty="0"/>
               <a:t>What is conditional probability?</a:t>
             </a:r>
           </a:p>
           <a:p>
             <a:pPr lvl="1"/>
             <a:r>
-              <a:rPr lang="en-US" dirty="0" smtClean="0"/>
-              <a:t>A </a:t>
-            </a:r>
-            <a:r>
               <a:rPr lang="en-US" dirty="0"/>
-              <a:t>conditional probability is usually defined as the probability of one event given the occurrence of another event. </a:t>
+              <a:t>A conditional probability is usually defined as the probability of one event given the occurrence of another event. </a:t>
             </a:r>
           </a:p>
           <a:p>
@@ -13014,36 +12578,27 @@
               <a:rPr lang="en-US" dirty="0"/>
               <a:t>If A and B are two events, then the conditional probability me be designated as P(A given B) or P(A|B). </a:t>
             </a:r>
-            <a:endParaRPr lang="en-US" dirty="0" smtClean="0"/>
           </a:p>
           <a:p>
             <a:pPr lvl="1"/>
-            <a:endParaRPr lang="en-US" dirty="0" smtClean="0"/>
-          </a:p>
-          <a:p>
-            <a:r>
-              <a:rPr lang="en-US" dirty="0" err="1" smtClean="0"/>
+            <a:endParaRPr lang="en-US" dirty="0"/>
+          </a:p>
+          <a:p>
+            <a:r>
+              <a:rPr lang="en-US" dirty="0" err="1"/>
               <a:t>Bayes’s</a:t>
             </a:r>
             <a:r>
-              <a:rPr lang="en-US" dirty="0" smtClean="0"/>
-              <a:t> </a:t>
-            </a:r>
-            <a:r>
               <a:rPr lang="en-US" dirty="0"/>
-              <a:t>theorem is used for the calculation of a conditional probability where intuition often fails. </a:t>
+              <a:t> theorem is used for the calculation of a conditional probability where intuition often fails. </a:t>
             </a:r>
             <a:endParaRPr lang="en-US" b="1" dirty="0"/>
           </a:p>
           <a:p>
             <a:pPr lvl="1"/>
             <a:r>
-              <a:rPr lang="en-US" dirty="0" smtClean="0"/>
-              <a:t>Let's </a:t>
-            </a:r>
-            <a:r>
               <a:rPr lang="en-US" dirty="0"/>
-              <a:t>consider two probabilistic events A and B. We can correlate the marginal probabilities P(A) and P(B) with the conditional probabilities P(A|B) and P(B|A) using the product rule:</a:t>
+              <a:t>Let's consider two probabilistic events A and B. We can correlate the marginal probabilities P(A) and P(B) with the conditional probabilities P(A|B) and P(B|A) using the product rule:</a:t>
             </a:r>
           </a:p>
           <a:p>
@@ -13140,7 +12695,7 @@
 </p:sld>
 </file>
 
-<file path=ppt/slides/slide5.xml><?xml version="1.0" encoding="utf-8"?>
+<file path=ppt/slides/slide4.xml><?xml version="1.0" encoding="utf-8"?>
 <p:sld xmlns:a="http://schemas.openxmlformats.org/drawingml/2006/main" xmlns:r="http://schemas.openxmlformats.org/officeDocument/2006/relationships" xmlns:p="http://schemas.openxmlformats.org/presentationml/2006/main">
   <p:cSld>
     <p:spTree>
@@ -13204,11 +12759,7 @@
             <a:pPr fontAlgn="base"/>
             <a:r>
               <a:rPr lang="en-US" dirty="0"/>
-              <a:t>Bayes’ Theorem finds the probability of an event occurring given the probability of another event that has already occurred. Bayes’ theorem is stated mathematically as the following equation</a:t>
-            </a:r>
-            <a:r>
-              <a:rPr lang="en-US" dirty="0" smtClean="0"/>
-              <a:t>:</a:t>
+              <a:t>Bayes’ Theorem finds the probability of an event occurring given the probability of another event that has already occurred. Bayes’ theorem is stated mathematically as the following equation:</a:t>
             </a:r>
           </a:p>
           <a:p>
@@ -13217,7 +12768,7 @@
           </a:p>
           <a:p>
             <a:pPr fontAlgn="base"/>
-            <a:endParaRPr lang="en-US" dirty="0" smtClean="0"/>
+            <a:endParaRPr lang="en-US" dirty="0"/>
           </a:p>
           <a:p>
             <a:pPr fontAlgn="base"/>
@@ -13227,23 +12778,7 @@
             <a:pPr fontAlgn="base"/>
             <a:r>
               <a:rPr lang="en-US" dirty="0"/>
-              <a:t>where A and B </a:t>
-            </a:r>
-            <a:r>
-              <a:rPr lang="en-US" dirty="0" smtClean="0"/>
-              <a:t>are </a:t>
-            </a:r>
-            <a:r>
-              <a:rPr lang="en-US" dirty="0"/>
-              <a:t>two </a:t>
-            </a:r>
-            <a:r>
-              <a:rPr lang="en-US" dirty="0" smtClean="0"/>
-              <a:t>probabilistic events </a:t>
-            </a:r>
-            <a:r>
-              <a:rPr lang="en-US" dirty="0"/>
-              <a:t>and P(B) ≠ 0.</a:t>
+              <a:t>where A and B are two probabilistic events and P(B) ≠ 0.</a:t>
             </a:r>
           </a:p>
           <a:p>
@@ -13280,13 +12815,8 @@
             <a:pPr fontAlgn="base"/>
             <a:r>
               <a:rPr lang="en-US" dirty="0"/>
-              <a:t>P(A|B) is a posteriori probability of B, i.e. probability of event after evidence is seen</a:t>
-            </a:r>
-            <a:r>
-              <a:rPr lang="en-US" dirty="0" smtClean="0"/>
-              <a:t>.</a:t>
-            </a:r>
-            <a:endParaRPr lang="en-US" dirty="0"/>
+              <a:t>P(A|B) is a posteriori probability of B, i.e. probability of event after evidence is seen.</a:t>
+            </a:r>
           </a:p>
         </p:txBody>
       </p:sp>
@@ -13336,17 +12866,10 @@
   <p:clrMapOvr>
     <a:masterClrMapping/>
   </p:clrMapOvr>
-  <p:timing>
-    <p:tnLst>
-      <p:par>
-        <p:cTn id="1" dur="indefinite" restart="never" nodeType="tmRoot"/>
-      </p:par>
-    </p:tnLst>
-  </p:timing>
 </p:sld>
 </file>
 
-<file path=ppt/slides/slide6.xml><?xml version="1.0" encoding="utf-8"?>
+<file path=ppt/slides/slide5.xml><?xml version="1.0" encoding="utf-8"?>
 <p:sld xmlns:a="http://schemas.openxmlformats.org/drawingml/2006/main" xmlns:r="http://schemas.openxmlformats.org/officeDocument/2006/relationships" xmlns:p="http://schemas.openxmlformats.org/presentationml/2006/main">
   <p:cSld>
     <p:spTree>
@@ -13399,125 +12922,120 @@
         <p:spPr>
           <a:xfrm>
             <a:off x="228600" y="1600201"/>
-            <a:ext cx="6400800" cy="5029199"/>
+            <a:ext cx="11353800" cy="5029199"/>
           </a:xfrm>
         </p:spPr>
         <p:txBody>
           <a:bodyPr>
-            <a:normAutofit fontScale="92500" lnSpcReduction="10000"/>
+            <a:normAutofit/>
           </a:bodyPr>
           <a:lstStyle/>
           <a:p>
             <a:pPr algn="just"/>
             <a:r>
-              <a:rPr lang="en-US" dirty="0" smtClean="0"/>
-              <a:t>The Naive Bayesian classifier is based on Bayes’ theorem with the independence assumptions between predictors.</a:t>
-            </a:r>
-            <a:r>
               <a:rPr lang="en-US" dirty="0"/>
-              <a:t> In simple terms, a Naive Bayes classifier assumes that the presence of a particular feature in a class is unrelated to the presence of any other feature.</a:t>
-            </a:r>
-            <a:endParaRPr lang="en-US" dirty="0" smtClean="0"/>
+              <a:t>The Naive Bayesian classifier is based on Bayes’ theorem with the independence assumptions between predictors. In simple terms, a Naive Bayes classifier assumes that the presence of a particular feature in a class is unrelated to the presence of any other feature.</a:t>
+            </a:r>
           </a:p>
           <a:p>
             <a:pPr algn="just"/>
             <a:r>
-              <a:rPr lang="en-US" dirty="0" smtClean="0"/>
+              <a:rPr lang="en-US" dirty="0"/>
               <a:t> A Naive Bayesian model is easy to build, with no complicated iterative parameter estimation which makes it particularly useful for very large datasets. Despite its simplicity, the Naive Bayesian classifier often does surprisingly well and is widely used because it often outperforms more sophisticated classification methods. </a:t>
             </a:r>
           </a:p>
           <a:p>
             <a:pPr algn="just" fontAlgn="ctr"/>
             <a:r>
-              <a:rPr lang="en-US" b="1" dirty="0" smtClean="0"/>
+              <a:rPr lang="en-US" b="1" dirty="0"/>
               <a:t>Algorithm</a:t>
             </a:r>
-            <a:endParaRPr lang="en-US" dirty="0" smtClean="0"/>
+            <a:endParaRPr lang="en-US" dirty="0"/>
           </a:p>
           <a:p>
             <a:pPr algn="just" fontAlgn="ctr"/>
             <a:r>
-              <a:rPr lang="en-US" dirty="0" smtClean="0"/>
+              <a:rPr lang="en-US" dirty="0"/>
               <a:t>Bayes theorem provides a way of calculating the posterior probability, </a:t>
             </a:r>
             <a:r>
-              <a:rPr lang="en-US" i="1" dirty="0" smtClean="0"/>
+              <a:rPr lang="en-US" i="1" dirty="0"/>
               <a:t>P</a:t>
             </a:r>
             <a:r>
-              <a:rPr lang="en-US" dirty="0" smtClean="0"/>
+              <a:rPr lang="en-US" dirty="0"/>
               <a:t>(</a:t>
             </a:r>
             <a:r>
-              <a:rPr lang="en-US" i="1" dirty="0" err="1" smtClean="0"/>
+              <a:rPr lang="en-US" i="1" dirty="0" err="1"/>
               <a:t>c|x</a:t>
             </a:r>
             <a:r>
-              <a:rPr lang="en-US" dirty="0" smtClean="0"/>
+              <a:rPr lang="en-US" dirty="0"/>
               <a:t>), from </a:t>
             </a:r>
             <a:r>
-              <a:rPr lang="en-US" i="1" dirty="0" smtClean="0"/>
+              <a:rPr lang="en-US" i="1" dirty="0"/>
               <a:t>P</a:t>
             </a:r>
             <a:r>
-              <a:rPr lang="en-US" dirty="0" smtClean="0"/>
+              <a:rPr lang="en-US" dirty="0"/>
               <a:t>(</a:t>
             </a:r>
             <a:r>
-              <a:rPr lang="en-US" i="1" dirty="0" smtClean="0"/>
+              <a:rPr lang="en-US" i="1" dirty="0"/>
               <a:t>c</a:t>
             </a:r>
             <a:r>
-              <a:rPr lang="en-US" dirty="0" smtClean="0"/>
+              <a:rPr lang="en-US" dirty="0"/>
               <a:t>), </a:t>
             </a:r>
             <a:r>
-              <a:rPr lang="en-US" i="1" dirty="0" smtClean="0"/>
+              <a:rPr lang="en-US" i="1" dirty="0"/>
               <a:t>P</a:t>
             </a:r>
             <a:r>
-              <a:rPr lang="en-US" dirty="0" smtClean="0"/>
+              <a:rPr lang="en-US" dirty="0"/>
               <a:t>(</a:t>
             </a:r>
             <a:r>
-              <a:rPr lang="en-US" i="1" dirty="0" smtClean="0"/>
+              <a:rPr lang="en-US" i="1" dirty="0"/>
               <a:t>x</a:t>
             </a:r>
             <a:r>
-              <a:rPr lang="en-US" dirty="0" smtClean="0"/>
+              <a:rPr lang="en-US" dirty="0"/>
               <a:t>), and </a:t>
             </a:r>
             <a:r>
-              <a:rPr lang="en-US" i="1" dirty="0" smtClean="0"/>
+              <a:rPr lang="en-US" i="1" dirty="0"/>
               <a:t>P</a:t>
             </a:r>
             <a:r>
-              <a:rPr lang="en-US" dirty="0" smtClean="0"/>
+              <a:rPr lang="en-US" dirty="0"/>
               <a:t>(</a:t>
             </a:r>
             <a:r>
-              <a:rPr lang="en-US" i="1" dirty="0" err="1" smtClean="0"/>
+              <a:rPr lang="en-US" i="1" dirty="0" err="1"/>
               <a:t>x|c</a:t>
             </a:r>
             <a:r>
-              <a:rPr lang="en-US" dirty="0" smtClean="0"/>
+              <a:rPr lang="en-US" dirty="0"/>
               <a:t>). Naive Bayes classifier assume that the effect of the value of a predictor (</a:t>
             </a:r>
             <a:r>
-              <a:rPr lang="en-US" i="1" dirty="0" smtClean="0"/>
+              <a:rPr lang="en-US" i="1" dirty="0"/>
               <a:t>x</a:t>
             </a:r>
             <a:r>
-              <a:rPr lang="en-US" dirty="0" smtClean="0"/>
+              <a:rPr lang="en-US" dirty="0"/>
               <a:t>) on a given class (</a:t>
             </a:r>
             <a:r>
-              <a:rPr lang="en-US" i="1" dirty="0" smtClean="0"/>
+              <a:rPr lang="en-US" i="1" dirty="0"/>
               <a:t>c</a:t>
             </a:r>
             <a:r>
-              <a:rPr lang="en-US" dirty="0" smtClean="0"/>
+              <a:rPr lang="en-US" dirty="0"/>
               <a:t>) is independent of the values of other predictors. This assumption is called class conditional independence.</a:t>
             </a:r>
           </a:p>
@@ -13527,9 +13045,45 @@
           </a:p>
         </p:txBody>
       </p:sp>
+    </p:spTree>
+    <p:extLst>
+      <p:ext uri="{BB962C8B-B14F-4D97-AF65-F5344CB8AC3E}">
+        <p14:creationId xmlns:p14="http://schemas.microsoft.com/office/powerpoint/2010/main" val="2546550082"/>
+      </p:ext>
+    </p:extLst>
+  </p:cSld>
+  <p:clrMapOvr>
+    <a:masterClrMapping/>
+  </p:clrMapOvr>
+</p:sld>
+</file>
+
+<file path=ppt/slides/slide6.xml><?xml version="1.0" encoding="utf-8"?>
+<p:sld xmlns:a="http://schemas.openxmlformats.org/drawingml/2006/main" xmlns:r="http://schemas.openxmlformats.org/officeDocument/2006/relationships" xmlns:p="http://schemas.openxmlformats.org/presentationml/2006/main">
+  <p:cSld>
+    <p:spTree>
+      <p:nvGrpSpPr>
+        <p:cNvPr id="1" name=""/>
+        <p:cNvGrpSpPr/>
+        <p:nvPr/>
+      </p:nvGrpSpPr>
+      <p:grpSpPr>
+        <a:xfrm>
+          <a:off x="0" y="0"/>
+          <a:ext cx="0" cy="0"/>
+          <a:chOff x="0" y="0"/>
+          <a:chExt cx="0" cy="0"/>
+        </a:xfrm>
+      </p:grpSpPr>
       <p:pic>
         <p:nvPicPr>
-          <p:cNvPr id="5" name="Picture 4"/>
+          <p:cNvPr id="4" name="Picture 3">
+            <a:extLst>
+              <a:ext uri="{FF2B5EF4-FFF2-40B4-BE49-F238E27FC236}">
+                <a16:creationId xmlns:a16="http://schemas.microsoft.com/office/drawing/2014/main" id="{5015D522-A01C-4905-928F-57A0DCC77BDE}"/>
+              </a:ext>
+            </a:extLst>
+          </p:cNvPr>
           <p:cNvPicPr>
             <a:picLocks noChangeAspect="1"/>
           </p:cNvPicPr>
@@ -13543,7 +13097,7 @@
         </p:blipFill>
         <p:spPr>
           <a:xfrm>
-            <a:off x="6934200" y="1358708"/>
+            <a:off x="3352800" y="615758"/>
             <a:ext cx="4877600" cy="2584642"/>
           </a:xfrm>
           <a:prstGeom prst="rect">
@@ -13553,21 +13107,27 @@
       </p:pic>
       <p:sp>
         <p:nvSpPr>
-          <p:cNvPr id="6" name="Rectangle 5"/>
+          <p:cNvPr id="5" name="Rectangle 4">
+            <a:extLst>
+              <a:ext uri="{FF2B5EF4-FFF2-40B4-BE49-F238E27FC236}">
+                <a16:creationId xmlns:a16="http://schemas.microsoft.com/office/drawing/2014/main" id="{A6830041-987B-40D4-B5FB-2B1E6C95D3FE}"/>
+              </a:ext>
+            </a:extLst>
+          </p:cNvPr>
           <p:cNvSpPr/>
           <p:nvPr/>
         </p:nvSpPr>
         <p:spPr>
           <a:xfrm>
-            <a:off x="6934200" y="3962400"/>
-            <a:ext cx="6096000" cy="2862322"/>
+            <a:off x="723900" y="3657601"/>
+            <a:ext cx="10744200" cy="2246769"/>
           </a:xfrm>
           <a:prstGeom prst="rect">
             <a:avLst/>
           </a:prstGeom>
         </p:spPr>
         <p:txBody>
-          <a:bodyPr>
+          <a:bodyPr wrap="square">
             <a:spAutoFit/>
           </a:bodyPr>
           <a:lstStyle/>
@@ -13577,128 +13137,113 @@
               <a:buChar char="•"/>
             </a:pPr>
             <a:r>
-              <a:rPr lang="en-US" i="1" dirty="0">
+              <a:rPr lang="en-US" sz="2000" i="1" dirty="0">
                 <a:solidFill>
                   <a:srgbClr val="000000"/>
                 </a:solidFill>
-                <a:latin typeface="Times New Roman" panose="02020603050405020304" pitchFamily="18" charset="0"/>
+                <a:latin typeface="Gill Sans MT" panose="020B0502020104020203" pitchFamily="34" charset="0"/>
               </a:rPr>
               <a:t>P</a:t>
             </a:r>
             <a:r>
-              <a:rPr lang="en-US" dirty="0">
+              <a:rPr lang="en-US" sz="2000" dirty="0">
                 <a:solidFill>
                   <a:srgbClr val="000000"/>
                 </a:solidFill>
-                <a:latin typeface="Times New Roman" panose="02020603050405020304" pitchFamily="18" charset="0"/>
+                <a:latin typeface="Gill Sans MT" panose="020B0502020104020203" pitchFamily="34" charset="0"/>
               </a:rPr>
               <a:t>(</a:t>
             </a:r>
             <a:r>
-              <a:rPr lang="en-US" i="1" dirty="0" err="1">
+              <a:rPr lang="en-US" sz="2000" i="1" dirty="0" err="1">
                 <a:solidFill>
                   <a:srgbClr val="000000"/>
                 </a:solidFill>
-                <a:latin typeface="Times New Roman" panose="02020603050405020304" pitchFamily="18" charset="0"/>
+                <a:latin typeface="Gill Sans MT" panose="020B0502020104020203" pitchFamily="34" charset="0"/>
               </a:rPr>
               <a:t>c|x</a:t>
             </a:r>
             <a:r>
-              <a:rPr lang="en-US" dirty="0">
+              <a:rPr lang="en-US" sz="2000" dirty="0">
                 <a:solidFill>
                   <a:srgbClr val="000000"/>
                 </a:solidFill>
-                <a:latin typeface="Times New Roman" panose="02020603050405020304" pitchFamily="18" charset="0"/>
+                <a:latin typeface="Gill Sans MT" panose="020B0502020104020203" pitchFamily="34" charset="0"/>
               </a:rPr>
-              <a:t>)</a:t>
-            </a:r>
-            <a:r>
-              <a:rPr lang="en-US" dirty="0">
+              <a:t>) is the posterior probability of </a:t>
+            </a:r>
+            <a:r>
+              <a:rPr lang="en-US" sz="2000" i="1" dirty="0">
                 <a:solidFill>
                   <a:srgbClr val="000000"/>
                 </a:solidFill>
-                <a:latin typeface="Calibri" panose="020F0502020204030204" pitchFamily="34" charset="0"/>
+                <a:latin typeface="Gill Sans MT" panose="020B0502020104020203" pitchFamily="34" charset="0"/>
               </a:rPr>
-              <a:t> is the posterior probability of </a:t>
-            </a:r>
-            <a:r>
-              <a:rPr lang="en-US" i="1" dirty="0">
+              <a:t>class</a:t>
+            </a:r>
+            <a:r>
+              <a:rPr lang="en-US" sz="2000" dirty="0">
                 <a:solidFill>
                   <a:srgbClr val="000000"/>
                 </a:solidFill>
-                <a:latin typeface="Times New Roman" panose="02020603050405020304" pitchFamily="18" charset="0"/>
+                <a:latin typeface="Gill Sans MT" panose="020B0502020104020203" pitchFamily="34" charset="0"/>
               </a:rPr>
-              <a:t>class</a:t>
-            </a:r>
-            <a:r>
-              <a:rPr lang="en-US" dirty="0">
+              <a:t> (</a:t>
+            </a:r>
+            <a:r>
+              <a:rPr lang="en-US" sz="2000" i="1" dirty="0">
                 <a:solidFill>
                   <a:srgbClr val="000000"/>
                 </a:solidFill>
-                <a:latin typeface="Calibri" panose="020F0502020204030204" pitchFamily="34" charset="0"/>
+                <a:latin typeface="Gill Sans MT" panose="020B0502020104020203" pitchFamily="34" charset="0"/>
               </a:rPr>
-              <a:t> (</a:t>
-            </a:r>
-            <a:r>
-              <a:rPr lang="en-US" i="1" dirty="0">
+              <a:t>target</a:t>
+            </a:r>
+            <a:r>
+              <a:rPr lang="en-US" sz="2000" dirty="0">
                 <a:solidFill>
                   <a:srgbClr val="000000"/>
                 </a:solidFill>
-                <a:latin typeface="Calibri" panose="020F0502020204030204" pitchFamily="34" charset="0"/>
+                <a:latin typeface="Gill Sans MT" panose="020B0502020104020203" pitchFamily="34" charset="0"/>
               </a:rPr>
-              <a:t>target</a:t>
-            </a:r>
-            <a:r>
-              <a:rPr lang="en-US" dirty="0">
+              <a:t>) given </a:t>
+            </a:r>
+            <a:r>
+              <a:rPr lang="en-US" sz="2000" i="1" dirty="0">
                 <a:solidFill>
                   <a:srgbClr val="000000"/>
                 </a:solidFill>
-                <a:latin typeface="Calibri" panose="020F0502020204030204" pitchFamily="34" charset="0"/>
+                <a:latin typeface="Gill Sans MT" panose="020B0502020104020203" pitchFamily="34" charset="0"/>
               </a:rPr>
-              <a:t>) given </a:t>
-            </a:r>
-            <a:r>
-              <a:rPr lang="en-US" i="1" dirty="0">
+              <a:t>predictor</a:t>
+            </a:r>
+            <a:r>
+              <a:rPr lang="en-US" sz="2000" dirty="0">
                 <a:solidFill>
                   <a:srgbClr val="000000"/>
                 </a:solidFill>
-                <a:latin typeface="Times New Roman" panose="02020603050405020304" pitchFamily="18" charset="0"/>
+                <a:latin typeface="Gill Sans MT" panose="020B0502020104020203" pitchFamily="34" charset="0"/>
               </a:rPr>
-              <a:t>predictor</a:t>
-            </a:r>
-            <a:r>
-              <a:rPr lang="en-US" dirty="0">
+              <a:t> (</a:t>
+            </a:r>
+            <a:r>
+              <a:rPr lang="en-US" sz="2000" i="1" dirty="0">
                 <a:solidFill>
                   <a:srgbClr val="000000"/>
                 </a:solidFill>
-                <a:latin typeface="Calibri" panose="020F0502020204030204" pitchFamily="34" charset="0"/>
+                <a:latin typeface="Gill Sans MT" panose="020B0502020104020203" pitchFamily="34" charset="0"/>
               </a:rPr>
-              <a:t> (</a:t>
-            </a:r>
-            <a:r>
-              <a:rPr lang="en-US" i="1" dirty="0">
+              <a:t>attribute</a:t>
+            </a:r>
+            <a:r>
+              <a:rPr lang="en-US" sz="2000" dirty="0">
                 <a:solidFill>
                   <a:srgbClr val="000000"/>
                 </a:solidFill>
-                <a:latin typeface="Calibri" panose="020F0502020204030204" pitchFamily="34" charset="0"/>
-              </a:rPr>
-              <a:t>attribute</a:t>
-            </a:r>
-            <a:r>
-              <a:rPr lang="en-US" dirty="0">
-                <a:solidFill>
-                  <a:srgbClr val="000000"/>
-                </a:solidFill>
-                <a:latin typeface="Calibri" panose="020F0502020204030204" pitchFamily="34" charset="0"/>
+                <a:latin typeface="Gill Sans MT" panose="020B0502020104020203" pitchFamily="34" charset="0"/>
               </a:rPr>
               <a:t>). </a:t>
             </a:r>
-            <a:endParaRPr lang="en-US" dirty="0">
-              <a:solidFill>
-                <a:srgbClr val="000000"/>
-              </a:solidFill>
-              <a:latin typeface="Times New Roman" panose="02020603050405020304" pitchFamily="18" charset="0"/>
-            </a:endParaRPr>
           </a:p>
           <a:p>
             <a:pPr>
@@ -13706,74 +13251,59 @@
               <a:buChar char="•"/>
             </a:pPr>
             <a:r>
-              <a:rPr lang="en-US" i="1" dirty="0">
+              <a:rPr lang="en-US" sz="2000" i="1" dirty="0">
                 <a:solidFill>
                   <a:srgbClr val="000000"/>
                 </a:solidFill>
-                <a:latin typeface="Times New Roman" panose="02020603050405020304" pitchFamily="18" charset="0"/>
+                <a:latin typeface="Gill Sans MT" panose="020B0502020104020203" pitchFamily="34" charset="0"/>
               </a:rPr>
               <a:t>P</a:t>
             </a:r>
             <a:r>
-              <a:rPr lang="en-US" dirty="0">
+              <a:rPr lang="en-US" sz="2000" dirty="0">
                 <a:solidFill>
                   <a:srgbClr val="000000"/>
                 </a:solidFill>
-                <a:latin typeface="Times New Roman" panose="02020603050405020304" pitchFamily="18" charset="0"/>
+                <a:latin typeface="Gill Sans MT" panose="020B0502020104020203" pitchFamily="34" charset="0"/>
               </a:rPr>
               <a:t>(</a:t>
             </a:r>
             <a:r>
-              <a:rPr lang="en-US" i="1" dirty="0">
+              <a:rPr lang="en-US" sz="2000" i="1" dirty="0">
                 <a:solidFill>
                   <a:srgbClr val="000000"/>
                 </a:solidFill>
-                <a:latin typeface="Times New Roman" panose="02020603050405020304" pitchFamily="18" charset="0"/>
+                <a:latin typeface="Gill Sans MT" panose="020B0502020104020203" pitchFamily="34" charset="0"/>
               </a:rPr>
               <a:t>c</a:t>
             </a:r>
             <a:r>
-              <a:rPr lang="en-US" dirty="0">
+              <a:rPr lang="en-US" sz="2000" dirty="0">
                 <a:solidFill>
                   <a:srgbClr val="000000"/>
                 </a:solidFill>
-                <a:latin typeface="Times New Roman" panose="02020603050405020304" pitchFamily="18" charset="0"/>
+                <a:latin typeface="Gill Sans MT" panose="020B0502020104020203" pitchFamily="34" charset="0"/>
               </a:rPr>
-              <a:t>)</a:t>
-            </a:r>
-            <a:r>
-              <a:rPr lang="en-US" dirty="0">
+              <a:t>) is the prior probability of </a:t>
+            </a:r>
+            <a:r>
+              <a:rPr lang="en-US" sz="2000" i="1" dirty="0">
                 <a:solidFill>
                   <a:srgbClr val="000000"/>
                 </a:solidFill>
-                <a:latin typeface="Calibri" panose="020F0502020204030204" pitchFamily="34" charset="0"/>
+                <a:latin typeface="Gill Sans MT" panose="020B0502020104020203" pitchFamily="34" charset="0"/>
               </a:rPr>
-              <a:t> is the prior probability of </a:t>
-            </a:r>
-            <a:r>
-              <a:rPr lang="en-US" i="1" dirty="0">
+              <a:t>class</a:t>
+            </a:r>
+            <a:r>
+              <a:rPr lang="en-US" sz="2000" dirty="0">
                 <a:solidFill>
                   <a:srgbClr val="000000"/>
                 </a:solidFill>
-                <a:latin typeface="Times New Roman" panose="02020603050405020304" pitchFamily="18" charset="0"/>
-              </a:rPr>
-              <a:t>class</a:t>
-            </a:r>
-            <a:r>
-              <a:rPr lang="en-US" dirty="0">
-                <a:solidFill>
-                  <a:srgbClr val="000000"/>
-                </a:solidFill>
-                <a:latin typeface="Calibri" panose="020F0502020204030204" pitchFamily="34" charset="0"/>
+                <a:latin typeface="Gill Sans MT" panose="020B0502020104020203" pitchFamily="34" charset="0"/>
               </a:rPr>
               <a:t>. </a:t>
             </a:r>
-            <a:endParaRPr lang="en-US" dirty="0">
-              <a:solidFill>
-                <a:srgbClr val="000000"/>
-              </a:solidFill>
-              <a:latin typeface="Times New Roman" panose="02020603050405020304" pitchFamily="18" charset="0"/>
-            </a:endParaRPr>
           </a:p>
           <a:p>
             <a:pPr>
@@ -13781,92 +13311,77 @@
               <a:buChar char="•"/>
             </a:pPr>
             <a:r>
-              <a:rPr lang="en-US" i="1" dirty="0">
+              <a:rPr lang="en-US" sz="2000" i="1" dirty="0">
                 <a:solidFill>
                   <a:srgbClr val="000000"/>
                 </a:solidFill>
-                <a:latin typeface="Times New Roman" panose="02020603050405020304" pitchFamily="18" charset="0"/>
+                <a:latin typeface="Gill Sans MT" panose="020B0502020104020203" pitchFamily="34" charset="0"/>
               </a:rPr>
               <a:t>P</a:t>
             </a:r>
             <a:r>
-              <a:rPr lang="en-US" dirty="0">
+              <a:rPr lang="en-US" sz="2000" dirty="0">
                 <a:solidFill>
                   <a:srgbClr val="000000"/>
                 </a:solidFill>
-                <a:latin typeface="Times New Roman" panose="02020603050405020304" pitchFamily="18" charset="0"/>
+                <a:latin typeface="Gill Sans MT" panose="020B0502020104020203" pitchFamily="34" charset="0"/>
               </a:rPr>
               <a:t>(</a:t>
             </a:r>
             <a:r>
-              <a:rPr lang="en-US" i="1" dirty="0" err="1">
+              <a:rPr lang="en-US" sz="2000" i="1" dirty="0" err="1">
                 <a:solidFill>
                   <a:srgbClr val="000000"/>
                 </a:solidFill>
-                <a:latin typeface="Times New Roman" panose="02020603050405020304" pitchFamily="18" charset="0"/>
+                <a:latin typeface="Gill Sans MT" panose="020B0502020104020203" pitchFamily="34" charset="0"/>
               </a:rPr>
               <a:t>x|c</a:t>
             </a:r>
             <a:r>
-              <a:rPr lang="en-US" dirty="0">
+              <a:rPr lang="en-US" sz="2000" dirty="0">
                 <a:solidFill>
                   <a:srgbClr val="000000"/>
                 </a:solidFill>
-                <a:latin typeface="Times New Roman" panose="02020603050405020304" pitchFamily="18" charset="0"/>
+                <a:latin typeface="Gill Sans MT" panose="020B0502020104020203" pitchFamily="34" charset="0"/>
               </a:rPr>
-              <a:t>)</a:t>
-            </a:r>
-            <a:r>
-              <a:rPr lang="en-US" dirty="0">
+              <a:t>) is the likelihood which is the probability of </a:t>
+            </a:r>
+            <a:r>
+              <a:rPr lang="en-US" sz="2000" i="1" dirty="0">
                 <a:solidFill>
                   <a:srgbClr val="000000"/>
                 </a:solidFill>
-                <a:latin typeface="Calibri" panose="020F0502020204030204" pitchFamily="34" charset="0"/>
+                <a:latin typeface="Gill Sans MT" panose="020B0502020104020203" pitchFamily="34" charset="0"/>
               </a:rPr>
-              <a:t> is the likelihood which is the probability of </a:t>
-            </a:r>
-            <a:r>
-              <a:rPr lang="en-US" i="1" dirty="0">
+              <a:t>predictor</a:t>
+            </a:r>
+            <a:r>
+              <a:rPr lang="en-US" sz="2000" dirty="0">
                 <a:solidFill>
                   <a:srgbClr val="000000"/>
                 </a:solidFill>
-                <a:latin typeface="Times New Roman" panose="02020603050405020304" pitchFamily="18" charset="0"/>
+                <a:latin typeface="Gill Sans MT" panose="020B0502020104020203" pitchFamily="34" charset="0"/>
               </a:rPr>
-              <a:t>predictor</a:t>
-            </a:r>
-            <a:r>
-              <a:rPr lang="en-US" dirty="0">
+              <a:t> given </a:t>
+            </a:r>
+            <a:r>
+              <a:rPr lang="en-US" sz="2000" i="1" dirty="0">
                 <a:solidFill>
                   <a:srgbClr val="000000"/>
                 </a:solidFill>
-                <a:latin typeface="Calibri" panose="020F0502020204030204" pitchFamily="34" charset="0"/>
+                <a:latin typeface="Gill Sans MT" panose="020B0502020104020203" pitchFamily="34" charset="0"/>
               </a:rPr>
-              <a:t> given </a:t>
-            </a:r>
-            <a:r>
-              <a:rPr lang="en-US" i="1" dirty="0">
+              <a:t>class</a:t>
+            </a:r>
+            <a:r>
+              <a:rPr lang="en-US" sz="2000" dirty="0">
                 <a:solidFill>
                   <a:srgbClr val="000000"/>
                 </a:solidFill>
-                <a:latin typeface="Times New Roman" panose="02020603050405020304" pitchFamily="18" charset="0"/>
-              </a:rPr>
-              <a:t>class</a:t>
-            </a:r>
-            <a:r>
-              <a:rPr lang="en-US" dirty="0">
-                <a:solidFill>
-                  <a:srgbClr val="000000"/>
-                </a:solidFill>
-                <a:latin typeface="Calibri" panose="020F0502020204030204" pitchFamily="34" charset="0"/>
+                <a:latin typeface="Gill Sans MT" panose="020B0502020104020203" pitchFamily="34" charset="0"/>
               </a:rPr>
               <a:t>. </a:t>
             </a:r>
-            <a:endParaRPr lang="en-US" dirty="0">
-              <a:solidFill>
-                <a:srgbClr val="000000"/>
-              </a:solidFill>
-              <a:latin typeface="Times New Roman" panose="02020603050405020304" pitchFamily="18" charset="0"/>
-            </a:endParaRPr>
           </a:p>
           <a:p>
             <a:pPr>
@@ -13874,65 +13389,56 @@
               <a:buChar char="•"/>
             </a:pPr>
             <a:r>
-              <a:rPr lang="en-US" i="1" dirty="0">
+              <a:rPr lang="en-US" sz="2000" i="1" dirty="0">
                 <a:solidFill>
                   <a:srgbClr val="000000"/>
                 </a:solidFill>
-                <a:latin typeface="Times New Roman" panose="02020603050405020304" pitchFamily="18" charset="0"/>
+                <a:latin typeface="Gill Sans MT" panose="020B0502020104020203" pitchFamily="34" charset="0"/>
               </a:rPr>
               <a:t>P</a:t>
             </a:r>
             <a:r>
-              <a:rPr lang="en-US" dirty="0">
+              <a:rPr lang="en-US" sz="2000" dirty="0">
                 <a:solidFill>
                   <a:srgbClr val="000000"/>
                 </a:solidFill>
-                <a:latin typeface="Times New Roman" panose="02020603050405020304" pitchFamily="18" charset="0"/>
+                <a:latin typeface="Gill Sans MT" panose="020B0502020104020203" pitchFamily="34" charset="0"/>
               </a:rPr>
               <a:t>(</a:t>
             </a:r>
             <a:r>
-              <a:rPr lang="en-US" i="1" dirty="0">
+              <a:rPr lang="en-US" sz="2000" i="1" dirty="0">
                 <a:solidFill>
                   <a:srgbClr val="000000"/>
                 </a:solidFill>
-                <a:latin typeface="Times New Roman" panose="02020603050405020304" pitchFamily="18" charset="0"/>
+                <a:latin typeface="Gill Sans MT" panose="020B0502020104020203" pitchFamily="34" charset="0"/>
               </a:rPr>
               <a:t>x</a:t>
             </a:r>
             <a:r>
-              <a:rPr lang="en-US" dirty="0">
+              <a:rPr lang="en-US" sz="2000" dirty="0">
                 <a:solidFill>
                   <a:srgbClr val="000000"/>
                 </a:solidFill>
-                <a:latin typeface="Times New Roman" panose="02020603050405020304" pitchFamily="18" charset="0"/>
+                <a:latin typeface="Gill Sans MT" panose="020B0502020104020203" pitchFamily="34" charset="0"/>
               </a:rPr>
-              <a:t>)</a:t>
-            </a:r>
-            <a:r>
-              <a:rPr lang="en-US" dirty="0">
+              <a:t>) is the prior probability of </a:t>
+            </a:r>
+            <a:r>
+              <a:rPr lang="en-US" sz="2000" i="1" dirty="0">
                 <a:solidFill>
                   <a:srgbClr val="000000"/>
                 </a:solidFill>
-                <a:latin typeface="Calibri" panose="020F0502020204030204" pitchFamily="34" charset="0"/>
+                <a:latin typeface="Gill Sans MT" panose="020B0502020104020203" pitchFamily="34" charset="0"/>
               </a:rPr>
-              <a:t> is the prior probability of </a:t>
-            </a:r>
-            <a:r>
-              <a:rPr lang="en-US" i="1" dirty="0">
+              <a:t>predictor</a:t>
+            </a:r>
+            <a:r>
+              <a:rPr lang="en-US" sz="2000" dirty="0">
                 <a:solidFill>
                   <a:srgbClr val="000000"/>
                 </a:solidFill>
-                <a:latin typeface="Times New Roman" panose="02020603050405020304" pitchFamily="18" charset="0"/>
-              </a:rPr>
-              <a:t>predictor</a:t>
-            </a:r>
-            <a:r>
-              <a:rPr lang="en-US" dirty="0" smtClean="0">
-                <a:solidFill>
-                  <a:srgbClr val="000000"/>
-                </a:solidFill>
-                <a:latin typeface="Calibri" panose="020F0502020204030204" pitchFamily="34" charset="0"/>
+                <a:latin typeface="Gill Sans MT" panose="020B0502020104020203" pitchFamily="34" charset="0"/>
               </a:rPr>
               <a:t>.</a:t>
             </a:r>
@@ -13943,31 +13449,41 @@
               <a:buChar char="•"/>
             </a:pPr>
             <a:r>
-              <a:rPr lang="en-US" dirty="0"/>
+              <a:rPr lang="en-US" sz="2000" dirty="0">
+                <a:latin typeface="Gill Sans MT" panose="020B0502020104020203" pitchFamily="34" charset="0"/>
+              </a:rPr>
               <a:t>In </a:t>
             </a:r>
             <a:r>
-              <a:rPr lang="en-US" dirty="0" err="1"/>
+              <a:rPr lang="en-US" sz="2000" dirty="0" err="1">
+                <a:latin typeface="Gill Sans MT" panose="020B0502020104020203" pitchFamily="34" charset="0"/>
+              </a:rPr>
               <a:t>ZeroR</a:t>
             </a:r>
             <a:r>
-              <a:rPr lang="en-US" dirty="0"/>
+              <a:rPr lang="en-US" sz="2000" dirty="0">
+                <a:latin typeface="Gill Sans MT" panose="020B0502020104020203" pitchFamily="34" charset="0"/>
+              </a:rPr>
               <a:t> model there is no predictor, in </a:t>
             </a:r>
             <a:r>
-              <a:rPr lang="en-US" dirty="0" err="1"/>
+              <a:rPr lang="en-US" sz="2000" dirty="0" err="1">
+                <a:latin typeface="Gill Sans MT" panose="020B0502020104020203" pitchFamily="34" charset="0"/>
+              </a:rPr>
               <a:t>OneR</a:t>
             </a:r>
             <a:r>
-              <a:rPr lang="en-US" dirty="0"/>
+              <a:rPr lang="en-US" sz="2000" dirty="0">
+                <a:latin typeface="Gill Sans MT" panose="020B0502020104020203" pitchFamily="34" charset="0"/>
+              </a:rPr>
               <a:t> model we try to find the single best predictor, naive Bayesian includes all predictors using Bayes' rule and the independence assumptions between predictors.</a:t>
             </a:r>
-            <a:endParaRPr lang="en-US" b="0" i="0" dirty="0">
+            <a:endParaRPr lang="en-US" sz="2000" b="0" i="0" dirty="0">
               <a:solidFill>
                 <a:srgbClr val="000000"/>
               </a:solidFill>
               <a:effectLst/>
-              <a:latin typeface="Times New Roman" panose="02020603050405020304" pitchFamily="18" charset="0"/>
+              <a:latin typeface="Gill Sans MT" panose="020B0502020104020203" pitchFamily="34" charset="0"/>
             </a:endParaRPr>
           </a:p>
         </p:txBody>
@@ -13975,7 +13491,7 @@
     </p:spTree>
     <p:extLst>
       <p:ext uri="{BB962C8B-B14F-4D97-AF65-F5344CB8AC3E}">
-        <p14:creationId xmlns:p14="http://schemas.microsoft.com/office/powerpoint/2010/main" val="2546550082"/>
+        <p14:creationId xmlns:p14="http://schemas.microsoft.com/office/powerpoint/2010/main" val="2236698200"/>
       </p:ext>
     </p:extLst>
   </p:cSld>
@@ -14019,11 +13535,7 @@
           <a:p>
             <a:r>
               <a:rPr lang="en-US" b="1" dirty="0"/>
-              <a:t>Bayes' theorem-Problem </a:t>
-            </a:r>
-            <a:r>
-              <a:rPr lang="en-US" b="1" dirty="0" smtClean="0"/>
-              <a:t>1</a:t>
+              <a:t>Bayes' theorem-Problem 1</a:t>
             </a:r>
             <a:endParaRPr lang="en-US" dirty="0"/>
           </a:p>
@@ -14053,36 +13565,15 @@
           <a:p>
             <a:pPr algn="just"/>
             <a:r>
-              <a:rPr lang="en-US" dirty="0" smtClean="0"/>
-              <a:t>Imagine </a:t>
-            </a:r>
-            <a:r>
               <a:rPr lang="en-US" dirty="0"/>
-              <a:t>we want to implement a very simple spam filter and we've collected 100 emails. We know that 30 are spam and 70 are regular. So we can say that P(Spam) = 0.3. </a:t>
-            </a:r>
-            <a:endParaRPr lang="en-US" dirty="0" smtClean="0"/>
+              <a:t>Imagine we want to implement a very simple spam filter and we've collected 100 emails. We know that 30 are spam and 70 are regular. So we can say that P(Spam) = 0.3. </a:t>
+            </a:r>
           </a:p>
           <a:p>
             <a:pPr algn="just"/>
             <a:r>
-              <a:rPr lang="en-US" dirty="0" smtClean="0"/>
-              <a:t>However</a:t>
-            </a:r>
-            <a:r>
               <a:rPr lang="en-US" dirty="0"/>
-              <a:t>, we'd like to evaluate using some </a:t>
-            </a:r>
-            <a:r>
-              <a:rPr lang="en-US" dirty="0" smtClean="0"/>
-              <a:t>criteria, </a:t>
-            </a:r>
-            <a:r>
-              <a:rPr lang="en-US" dirty="0"/>
-              <a:t>for example, email text is shorter than 50 characters. Therefore, our query becomes</a:t>
-            </a:r>
-            <a:r>
-              <a:rPr lang="en-US" dirty="0" smtClean="0"/>
-              <a:t>:</a:t>
+              <a:t>However, we'd like to evaluate using some criteria, for example, email text is shorter than 50 characters. Therefore, our query becomes:</a:t>
             </a:r>
           </a:p>
           <a:p>
@@ -14091,7 +13582,7 @@
           </a:p>
           <a:p>
             <a:pPr algn="just"/>
-            <a:endParaRPr lang="en-US" dirty="0" smtClean="0"/>
+            <a:endParaRPr lang="en-US" dirty="0"/>
           </a:p>
           <a:p>
             <a:pPr algn="just"/>
@@ -14099,7 +13590,6 @@
               <a:rPr lang="en-US" dirty="0"/>
               <a:t>The first term is similar to P(Spam) because it's the probability of spam given a certain condition. For this reason, it's called a posteriori (in other words, it's a probability that we can estimate after knowing some additional elements). On the right-hand side, we need to calculate the missing values, </a:t>
             </a:r>
-            <a:endParaRPr lang="en-US" dirty="0" smtClean="0"/>
           </a:p>
           <a:p>
             <a:pPr algn="just"/>
@@ -14108,12 +13598,8 @@
           <a:p>
             <a:pPr algn="just"/>
             <a:r>
-              <a:rPr lang="en-US" dirty="0" smtClean="0"/>
-              <a:t>Let's </a:t>
-            </a:r>
-            <a:r>
               <a:rPr lang="en-US" dirty="0"/>
-              <a:t>suppose that 35 emails have text shorter than 50 characters, so P(Text &lt; 50 chars) = 0.35. Looking only into our spam folder, we discover that </a:t>
+              <a:t>Let's suppose that 35 emails have text shorter than 50 characters, so P(Text &lt; 50 chars) = 0.35. Looking only into our spam folder, we discover that </a:t>
             </a:r>
             <a:r>
               <a:rPr lang="en-US" b="1" dirty="0"/>
@@ -14131,11 +13617,6 @@
               <a:rPr lang="en-US" dirty="0"/>
               <a:t>. The result is: </a:t>
             </a:r>
-            <a:endParaRPr lang="en-US" dirty="0" smtClean="0"/>
-          </a:p>
-          <a:p>
-            <a:pPr algn="just"/>
-            <a:endParaRPr lang="en-US" dirty="0" smtClean="0"/>
           </a:p>
           <a:p>
             <a:pPr algn="just"/>
@@ -14143,13 +13624,13 @@
           </a:p>
           <a:p>
             <a:pPr algn="just"/>
-            <a:r>
-              <a:rPr lang="en-US" dirty="0" smtClean="0"/>
-              <a:t>So</a:t>
-            </a:r>
+            <a:endParaRPr lang="en-US" dirty="0"/>
+          </a:p>
+          <a:p>
+            <a:pPr algn="just"/>
             <a:r>
               <a:rPr lang="en-US" dirty="0"/>
-              <a:t>, after receiving a very short email, there is a 71% probability that it's spam. </a:t>
+              <a:t>So, after receiving a very short email, there is a 71% probability that it's spam. </a:t>
             </a:r>
           </a:p>
         </p:txBody>
@@ -14242,13 +13723,6 @@
   <p:clrMapOvr>
     <a:masterClrMapping/>
   </p:clrMapOvr>
-  <p:timing>
-    <p:tnLst>
-      <p:par>
-        <p:cTn id="1" dur="indefinite" restart="never" nodeType="tmRoot"/>
-      </p:par>
-    </p:tnLst>
-  </p:timing>
 </p:sld>
 </file>
 
@@ -14309,40 +13783,8 @@
           <a:lstStyle/>
           <a:p>
             <a:r>
-              <a:rPr lang="en-US" dirty="0" smtClean="0"/>
-              <a:t>Assume </a:t>
-            </a:r>
-            <a:r>
               <a:rPr lang="en-US" dirty="0"/>
-              <a:t>that the word ‘offer’ occurs in 80% of the spam messages in </a:t>
-            </a:r>
-            <a:r>
-              <a:rPr lang="en-US" dirty="0" smtClean="0"/>
-              <a:t>your </a:t>
-            </a:r>
-            <a:r>
-              <a:rPr lang="en-US" dirty="0"/>
-              <a:t>account. Also, let’s assume ‘offer’ occurs in 10% of </a:t>
-            </a:r>
-            <a:r>
-              <a:rPr lang="en-US" dirty="0" smtClean="0"/>
-              <a:t>your </a:t>
-            </a:r>
-            <a:r>
-              <a:rPr lang="en-US" dirty="0"/>
-              <a:t>desired e-mails. If 30% of the received e-mails are considered as a scam, and </a:t>
-            </a:r>
-            <a:r>
-              <a:rPr lang="en-US" dirty="0" smtClean="0"/>
-              <a:t>you </a:t>
-            </a:r>
-            <a:r>
-              <a:rPr lang="en-US" dirty="0"/>
-              <a:t>will receive a new message which contains ‘offer’, what is the probability that it is spam</a:t>
-            </a:r>
-            <a:r>
-              <a:rPr lang="en-US" dirty="0" smtClean="0"/>
-              <a:t>?</a:t>
+              <a:t>Assume that the word ‘offer’ occurs in 80% of the spam messages in your account. Also, let’s assume ‘offer’ occurs in 10% of your desired e-mails. If 30% of the received e-mails are considered as a scam, and you will receive a new message which contains ‘offer’, what is the probability that it is spam?</a:t>
             </a:r>
           </a:p>
           <a:p>
@@ -14350,75 +13792,32 @@
               <a:buNone/>
             </a:pPr>
             <a:r>
-              <a:rPr lang="en-US" b="1" dirty="0" smtClean="0"/>
-              <a:t>Explanation</a:t>
-            </a:r>
-            <a:r>
               <a:rPr lang="en-US" b="1" dirty="0"/>
-              <a:t> </a:t>
-            </a:r>
-            <a:r>
-              <a:rPr lang="en-US" b="1" dirty="0" smtClean="0"/>
-              <a:t>without </a:t>
-            </a:r>
-            <a:r>
-              <a:rPr lang="en-US" b="1" dirty="0"/>
-              <a:t>Bayes’ Equation</a:t>
+              <a:t>Explanation without Bayes’ Equation</a:t>
             </a:r>
           </a:p>
           <a:p>
             <a:r>
               <a:rPr lang="en-US" dirty="0"/>
-              <a:t>A</a:t>
-            </a:r>
-            <a:r>
-              <a:rPr lang="en-US" dirty="0" smtClean="0"/>
-              <a:t>ssume total </a:t>
-            </a:r>
+              <a:t>Assume total 100 e-mails. </a:t>
+            </a:r>
+          </a:p>
+          <a:p>
             <a:r>
               <a:rPr lang="en-US" dirty="0"/>
-              <a:t>100 e-mails. </a:t>
-            </a:r>
-            <a:endParaRPr lang="en-US" dirty="0" smtClean="0"/>
-          </a:p>
-          <a:p>
-            <a:r>
-              <a:rPr lang="en-US" dirty="0" smtClean="0"/>
-              <a:t>The </a:t>
-            </a:r>
+              <a:t>The percentage of spam in the whole e-mail is 30%. </a:t>
+            </a:r>
+          </a:p>
+          <a:p>
             <a:r>
               <a:rPr lang="en-US" dirty="0"/>
-              <a:t>percentage of spam in the whole e-mail is 30%. </a:t>
-            </a:r>
-            <a:endParaRPr lang="en-US" dirty="0" smtClean="0"/>
-          </a:p>
-          <a:p>
-            <a:r>
-              <a:rPr lang="en-US" dirty="0" smtClean="0"/>
-              <a:t>So</a:t>
-            </a:r>
+              <a:t>So, 30 spam e-mails and 70 desired e-mails in 100 e-mails. </a:t>
+            </a:r>
+          </a:p>
+          <a:p>
             <a:r>
               <a:rPr lang="en-US" dirty="0"/>
-              <a:t>, </a:t>
-            </a:r>
-            <a:r>
-              <a:rPr lang="en-US" dirty="0" smtClean="0"/>
-              <a:t>30 </a:t>
-            </a:r>
-            <a:r>
-              <a:rPr lang="en-US" dirty="0"/>
-              <a:t>spam e-mails and 70 desired e-mails in 100 e-mails. </a:t>
-            </a:r>
-            <a:endParaRPr lang="en-US" dirty="0" smtClean="0"/>
-          </a:p>
-          <a:p>
-            <a:r>
-              <a:rPr lang="en-US" dirty="0" smtClean="0"/>
-              <a:t>The </a:t>
-            </a:r>
-            <a:r>
-              <a:rPr lang="en-US" dirty="0"/>
-              <a:t>percentage of the </a:t>
+              <a:t>The percentage of the </a:t>
             </a:r>
             <a:r>
               <a:rPr lang="en-US" b="1" dirty="0"/>
@@ -14428,49 +13827,12 @@
               <a:rPr lang="en-US" dirty="0"/>
               <a:t>is 80%. </a:t>
             </a:r>
-            <a:endParaRPr lang="en-US" dirty="0" smtClean="0"/>
           </a:p>
           <a:p>
             <a:pPr lvl="1"/>
             <a:r>
-              <a:rPr lang="en-US" dirty="0" smtClean="0"/>
-              <a:t>It </a:t>
-            </a:r>
-            <a:r>
               <a:rPr lang="en-US" dirty="0"/>
-              <a:t>means 80% of 30 </a:t>
-            </a:r>
-            <a:r>
-              <a:rPr lang="en-US" dirty="0" smtClean="0"/>
-              <a:t>spam e-mail </a:t>
-            </a:r>
-            <a:r>
-              <a:rPr lang="en-US" dirty="0"/>
-              <a:t>and it makes </a:t>
-            </a:r>
-            <a:r>
-              <a:rPr lang="en-US" dirty="0" smtClean="0"/>
-              <a:t>24 spam email </a:t>
-            </a:r>
-            <a:r>
-              <a:rPr lang="en-US" dirty="0"/>
-              <a:t>c</a:t>
-            </a:r>
-            <a:r>
-              <a:rPr lang="en-US" dirty="0" smtClean="0"/>
-              <a:t>ontain the word offer where </a:t>
-            </a:r>
-            <a:r>
-              <a:rPr lang="en-US" dirty="0"/>
-              <a:t>6 of them </a:t>
-            </a:r>
-            <a:r>
-              <a:rPr lang="en-US" dirty="0" smtClean="0"/>
-              <a:t>does not contain </a:t>
-            </a:r>
-            <a:r>
-              <a:rPr lang="en-US" dirty="0"/>
-              <a:t>‘offer’.</a:t>
+              <a:t>It means 80% of 30 spam e-mail and it makes 24 spam email contain the word offer where 6 of them does not contain ‘offer’.</a:t>
             </a:r>
           </a:p>
           <a:p>
@@ -14486,29 +13848,19 @@
               <a:rPr lang="en-US" dirty="0"/>
               <a:t>is 10%. </a:t>
             </a:r>
-            <a:endParaRPr lang="en-US" dirty="0" smtClean="0"/>
           </a:p>
           <a:p>
             <a:pPr lvl="1"/>
             <a:r>
-              <a:rPr lang="en-US" dirty="0" smtClean="0"/>
-              <a:t>It </a:t>
-            </a:r>
-            <a:r>
               <a:rPr lang="en-US" dirty="0"/>
-              <a:t>means 7 of them (10% of 70 desired e-mails) contain the word ‘offer’ and 63 of them not</a:t>
-            </a:r>
-            <a:r>
-              <a:rPr lang="en-US" dirty="0" smtClean="0"/>
-              <a:t>.</a:t>
-            </a:r>
-          </a:p>
-          <a:p>
-            <a:r>
-              <a:rPr lang="en-US" dirty="0" smtClean="0"/>
+              <a:t>It means 7 of them (10% of 70 desired e-mails) contain the word ‘offer’ and 63 of them not.</a:t>
+            </a:r>
+          </a:p>
+          <a:p>
+            <a:r>
+              <a:rPr lang="en-US" dirty="0"/>
               <a:t>Now, we can see this logic in a simple chart.</a:t>
             </a:r>
-            <a:endParaRPr lang="en-US" dirty="0"/>
           </a:p>
         </p:txBody>
       </p:sp>
@@ -14522,13 +13874,6 @@
   <p:clrMapOvr>
     <a:masterClrMapping/>
   </p:clrMapOvr>
-  <p:timing>
-    <p:tnLst>
-      <p:par>
-        <p:cTn id="1" dur="indefinite" restart="never" nodeType="tmRoot"/>
-      </p:par>
-    </p:tnLst>
-  </p:timing>
 </p:sld>
 </file>
 
@@ -14551,25 +13896,6 @@
       </p:grpSpPr>
       <p:sp>
         <p:nvSpPr>
-          <p:cNvPr id="2" name="Title 1"/>
-          <p:cNvSpPr>
-            <a:spLocks noGrp="1"/>
-          </p:cNvSpPr>
-          <p:nvPr>
-            <p:ph type="title"/>
-          </p:nvPr>
-        </p:nvSpPr>
-        <p:spPr/>
-        <p:txBody>
-          <a:bodyPr/>
-          <a:lstStyle/>
-          <a:p>
-            <a:endParaRPr lang="en-US"/>
-          </a:p>
-        </p:txBody>
-      </p:sp>
-      <p:sp>
-        <p:nvSpPr>
           <p:cNvPr id="3" name="Content Placeholder 2"/>
           <p:cNvSpPr>
             <a:spLocks noGrp="1"/>
@@ -14583,31 +13909,27 @@
           <a:bodyPr/>
           <a:lstStyle/>
           <a:p>
-            <a:endParaRPr lang="en-US" dirty="0" smtClean="0"/>
-          </a:p>
-          <a:p>
             <a:endParaRPr lang="en-US" dirty="0"/>
           </a:p>
           <a:p>
-            <a:endParaRPr lang="en-US" dirty="0" smtClean="0"/>
-          </a:p>
-          <a:p>
             <a:endParaRPr lang="en-US" dirty="0"/>
           </a:p>
           <a:p>
-            <a:endParaRPr lang="en-US" dirty="0" smtClean="0"/>
-          </a:p>
-          <a:p>
             <a:endParaRPr lang="en-US" dirty="0"/>
           </a:p>
           <a:p>
-            <a:r>
-              <a:rPr lang="en-US" dirty="0" smtClean="0"/>
-              <a:t>The </a:t>
-            </a:r>
+            <a:endParaRPr lang="en-US" dirty="0"/>
+          </a:p>
+          <a:p>
+            <a:endParaRPr lang="en-US" dirty="0"/>
+          </a:p>
+          <a:p>
+            <a:endParaRPr lang="en-US" dirty="0"/>
+          </a:p>
+          <a:p>
             <a:r>
               <a:rPr lang="en-US" dirty="0"/>
-              <a:t>question was what is the probability of spam where the mail contains the word ‘offer’:</a:t>
+              <a:t>The question was what is the probability of spam where the mail contains the word ‘offer’:</a:t>
             </a:r>
           </a:p>
           <a:p>
@@ -14670,13 +13992,6 @@
   <p:clrMapOvr>
     <a:masterClrMapping/>
   </p:clrMapOvr>
-  <p:timing>
-    <p:tnLst>
-      <p:par>
-        <p:cTn id="1" dur="indefinite" restart="never" nodeType="tmRoot"/>
-      </p:par>
-    </p:tnLst>
-  </p:timing>
 </p:sld>
 </file>
 
